--- a/Session2-Array&Strings.pptx
+++ b/Session2-Array&Strings.pptx
@@ -5,12 +5,17 @@
     <p:sldMasterId id="2147483725" r:id="rId1"/>
   </p:sldMasterIdLst>
   <p:notesMasterIdLst>
-    <p:notesMasterId r:id="rId5"/>
+    <p:notesMasterId r:id="rId10"/>
   </p:notesMasterIdLst>
   <p:sldIdLst>
     <p:sldId id="256" r:id="rId2"/>
     <p:sldId id="275" r:id="rId3"/>
-    <p:sldId id="274" r:id="rId4"/>
+    <p:sldId id="280" r:id="rId4"/>
+    <p:sldId id="276" r:id="rId5"/>
+    <p:sldId id="277" r:id="rId6"/>
+    <p:sldId id="278" r:id="rId7"/>
+    <p:sldId id="279" r:id="rId8"/>
+    <p:sldId id="274" r:id="rId9"/>
   </p:sldIdLst>
   <p:sldSz cx="12192000" cy="6858000"/>
   <p:notesSz cx="6858000" cy="9144000"/>
@@ -210,7 +215,7 @@
           <a:p>
             <a:fld id="{64AB1FA9-0455-4201-A5D6-B599DF29E8AE}" type="datetimeFigureOut">
               <a:rPr lang="en-IN" smtClean="0"/>
-              <a:t>02-04-2018</a:t>
+              <a:t>03-04-2018</a:t>
             </a:fld>
             <a:endParaRPr lang="en-IN"/>
           </a:p>
@@ -552,6 +557,90 @@
     </p:spTree>
     <p:extLst>
       <p:ext uri="{BB962C8B-B14F-4D97-AF65-F5344CB8AC3E}">
+        <p14:creationId xmlns:p14="http://schemas.microsoft.com/office/powerpoint/2010/main" val="2951182063"/>
+      </p:ext>
+    </p:extLst>
+  </p:cSld>
+  <p:clrMapOvr>
+    <a:masterClrMapping/>
+  </p:clrMapOvr>
+</p:notes>
+</file>
+
+<file path=ppt/notesSlides/notesSlide2.xml><?xml version="1.0" encoding="utf-8"?>
+<p:notes xmlns:a="http://schemas.openxmlformats.org/drawingml/2006/main" xmlns:r="http://schemas.openxmlformats.org/officeDocument/2006/relationships" xmlns:p="http://schemas.openxmlformats.org/presentationml/2006/main">
+  <p:cSld>
+    <p:spTree>
+      <p:nvGrpSpPr>
+        <p:cNvPr id="1" name=""/>
+        <p:cNvGrpSpPr/>
+        <p:nvPr/>
+      </p:nvGrpSpPr>
+      <p:grpSpPr>
+        <a:xfrm>
+          <a:off x="0" y="0"/>
+          <a:ext cx="0" cy="0"/>
+          <a:chOff x="0" y="0"/>
+          <a:chExt cx="0" cy="0"/>
+        </a:xfrm>
+      </p:grpSpPr>
+      <p:sp>
+        <p:nvSpPr>
+          <p:cNvPr id="2" name="Slide Image Placeholder 1"/>
+          <p:cNvSpPr>
+            <a:spLocks noGrp="1" noRot="1" noChangeAspect="1"/>
+          </p:cNvSpPr>
+          <p:nvPr>
+            <p:ph type="sldImg"/>
+          </p:nvPr>
+        </p:nvSpPr>
+        <p:spPr/>
+      </p:sp>
+      <p:sp>
+        <p:nvSpPr>
+          <p:cNvPr id="3" name="Notes Placeholder 2"/>
+          <p:cNvSpPr>
+            <a:spLocks noGrp="1"/>
+          </p:cNvSpPr>
+          <p:nvPr>
+            <p:ph type="body" idx="1"/>
+          </p:nvPr>
+        </p:nvSpPr>
+        <p:spPr/>
+        <p:txBody>
+          <a:bodyPr/>
+          <a:lstStyle/>
+          <a:p>
+            <a:endParaRPr lang="en-IN" dirty="0"/>
+          </a:p>
+        </p:txBody>
+      </p:sp>
+      <p:sp>
+        <p:nvSpPr>
+          <p:cNvPr id="4" name="Slide Number Placeholder 3"/>
+          <p:cNvSpPr>
+            <a:spLocks noGrp="1"/>
+          </p:cNvSpPr>
+          <p:nvPr>
+            <p:ph type="sldNum" sz="quarter" idx="10"/>
+          </p:nvPr>
+        </p:nvSpPr>
+        <p:spPr/>
+        <p:txBody>
+          <a:bodyPr/>
+          <a:lstStyle/>
+          <a:p>
+            <a:fld id="{A7DE893D-CE04-4AD8-B599-89F5B9665D5A}" type="slidenum">
+              <a:rPr lang="en-IN" smtClean="0"/>
+              <a:t>8</a:t>
+            </a:fld>
+            <a:endParaRPr lang="en-IN"/>
+          </a:p>
+        </p:txBody>
+      </p:sp>
+    </p:spTree>
+    <p:extLst>
+      <p:ext uri="{BB962C8B-B14F-4D97-AF65-F5344CB8AC3E}">
         <p14:creationId xmlns:p14="http://schemas.microsoft.com/office/powerpoint/2010/main" val="838014263"/>
       </p:ext>
     </p:extLst>
@@ -788,7 +877,7 @@
           <a:p>
             <a:fld id="{F270F6ED-6093-46EB-B1EA-0006F862B9FC}" type="datetimeFigureOut">
               <a:rPr lang="en-IN" smtClean="0"/>
-              <a:t>02-04-2018</a:t>
+              <a:t>03-04-2018</a:t>
             </a:fld>
             <a:endParaRPr lang="en-IN"/>
           </a:p>
@@ -996,7 +1085,7 @@
           <a:p>
             <a:fld id="{F270F6ED-6093-46EB-B1EA-0006F862B9FC}" type="datetimeFigureOut">
               <a:rPr lang="en-IN" smtClean="0"/>
-              <a:t>02-04-2018</a:t>
+              <a:t>03-04-2018</a:t>
             </a:fld>
             <a:endParaRPr lang="en-IN"/>
           </a:p>
@@ -1252,7 +1341,7 @@
           <a:p>
             <a:fld id="{F270F6ED-6093-46EB-B1EA-0006F862B9FC}" type="datetimeFigureOut">
               <a:rPr lang="en-IN" smtClean="0"/>
-              <a:t>02-04-2018</a:t>
+              <a:t>03-04-2018</a:t>
             </a:fld>
             <a:endParaRPr lang="en-IN"/>
           </a:p>
@@ -1426,7 +1515,7 @@
           <a:p>
             <a:fld id="{F270F6ED-6093-46EB-B1EA-0006F862B9FC}" type="datetimeFigureOut">
               <a:rPr lang="en-IN" smtClean="0"/>
-              <a:t>02-04-2018</a:t>
+              <a:t>03-04-2018</a:t>
             </a:fld>
             <a:endParaRPr lang="en-IN"/>
           </a:p>
@@ -1769,7 +1858,7 @@
           <a:p>
             <a:fld id="{F270F6ED-6093-46EB-B1EA-0006F862B9FC}" type="datetimeFigureOut">
               <a:rPr lang="en-IN" smtClean="0"/>
-              <a:t>02-04-2018</a:t>
+              <a:t>03-04-2018</a:t>
             </a:fld>
             <a:endParaRPr lang="en-IN"/>
           </a:p>
@@ -2044,7 +2133,7 @@
           <a:p>
             <a:fld id="{F270F6ED-6093-46EB-B1EA-0006F862B9FC}" type="datetimeFigureOut">
               <a:rPr lang="en-IN" smtClean="0"/>
-              <a:t>02-04-2018</a:t>
+              <a:t>03-04-2018</a:t>
             </a:fld>
             <a:endParaRPr lang="en-IN"/>
           </a:p>
@@ -2423,7 +2512,7 @@
           <a:p>
             <a:fld id="{F270F6ED-6093-46EB-B1EA-0006F862B9FC}" type="datetimeFigureOut">
               <a:rPr lang="en-IN" smtClean="0"/>
-              <a:t>02-04-2018</a:t>
+              <a:t>03-04-2018</a:t>
             </a:fld>
             <a:endParaRPr lang="en-IN"/>
           </a:p>
@@ -2541,7 +2630,7 @@
           <a:p>
             <a:fld id="{F270F6ED-6093-46EB-B1EA-0006F862B9FC}" type="datetimeFigureOut">
               <a:rPr lang="en-IN" smtClean="0"/>
-              <a:t>02-04-2018</a:t>
+              <a:t>03-04-2018</a:t>
             </a:fld>
             <a:endParaRPr lang="en-IN"/>
           </a:p>
@@ -2712,7 +2801,7 @@
           <a:p>
             <a:fld id="{F270F6ED-6093-46EB-B1EA-0006F862B9FC}" type="datetimeFigureOut">
               <a:rPr lang="en-IN" smtClean="0"/>
-              <a:t>02-04-2018</a:t>
+              <a:t>03-04-2018</a:t>
             </a:fld>
             <a:endParaRPr lang="en-IN"/>
           </a:p>
@@ -3066,7 +3155,7 @@
           <a:p>
             <a:fld id="{F270F6ED-6093-46EB-B1EA-0006F862B9FC}" type="datetimeFigureOut">
               <a:rPr lang="en-IN" smtClean="0"/>
-              <a:t>02-04-2018</a:t>
+              <a:t>03-04-2018</a:t>
             </a:fld>
             <a:endParaRPr lang="en-IN"/>
           </a:p>
@@ -3448,7 +3537,7 @@
           <a:p>
             <a:fld id="{F270F6ED-6093-46EB-B1EA-0006F862B9FC}" type="datetimeFigureOut">
               <a:rPr lang="en-IN" smtClean="0"/>
-              <a:t>02-04-2018</a:t>
+              <a:t>03-04-2018</a:t>
             </a:fld>
             <a:endParaRPr lang="en-IN"/>
           </a:p>
@@ -3735,7 +3824,7 @@
           <a:p>
             <a:fld id="{F270F6ED-6093-46EB-B1EA-0006F862B9FC}" type="datetimeFigureOut">
               <a:rPr lang="en-IN" smtClean="0"/>
-              <a:t>02-04-2018</a:t>
+              <a:t>03-04-2018</a:t>
             </a:fld>
             <a:endParaRPr lang="en-IN"/>
           </a:p>
@@ -4306,19 +4395,7 @@
           <a:p>
             <a:r>
               <a:rPr lang="en-IN" sz="2000" dirty="0" smtClean="0"/>
-              <a:t>Session </a:t>
-            </a:r>
-            <a:r>
-              <a:rPr lang="en-IN" sz="2000" dirty="0" smtClean="0"/>
-              <a:t>2 </a:t>
-            </a:r>
-            <a:r>
-              <a:rPr lang="en-IN" sz="2000" dirty="0" smtClean="0"/>
-              <a:t>– </a:t>
-            </a:r>
-            <a:r>
-              <a:rPr lang="en-IN" sz="2000" dirty="0" smtClean="0"/>
-              <a:t>Arrays and strings</a:t>
+              <a:t>Session 2 – Arrays and strings</a:t>
             </a:r>
             <a:endParaRPr lang="en-IN" sz="2000" dirty="0"/>
           </a:p>
@@ -4376,6 +4453,10 @@
           <a:bodyPr/>
           <a:lstStyle/>
           <a:p>
+            <a:r>
+              <a:rPr lang="en-IN" dirty="0" smtClean="0"/>
+              <a:t>Strings Basics</a:t>
+            </a:r>
             <a:endParaRPr lang="en-IN" dirty="0"/>
           </a:p>
         </p:txBody>
@@ -4413,6 +4494,1200 @@
 </file>
 
 <file path=ppt/slides/slide3.xml><?xml version="1.0" encoding="utf-8"?>
+<p:sld xmlns:a="http://schemas.openxmlformats.org/drawingml/2006/main" xmlns:r="http://schemas.openxmlformats.org/officeDocument/2006/relationships" xmlns:p="http://schemas.openxmlformats.org/presentationml/2006/main">
+  <p:cSld>
+    <p:spTree>
+      <p:nvGrpSpPr>
+        <p:cNvPr id="1" name=""/>
+        <p:cNvGrpSpPr/>
+        <p:nvPr/>
+      </p:nvGrpSpPr>
+      <p:grpSpPr>
+        <a:xfrm>
+          <a:off x="0" y="0"/>
+          <a:ext cx="0" cy="0"/>
+          <a:chOff x="0" y="0"/>
+          <a:chExt cx="0" cy="0"/>
+        </a:xfrm>
+      </p:grpSpPr>
+      <p:sp>
+        <p:nvSpPr>
+          <p:cNvPr id="2" name="Title 1"/>
+          <p:cNvSpPr>
+            <a:spLocks noGrp="1"/>
+          </p:cNvSpPr>
+          <p:nvPr>
+            <p:ph type="title"/>
+          </p:nvPr>
+        </p:nvSpPr>
+        <p:spPr/>
+        <p:txBody>
+          <a:bodyPr/>
+          <a:lstStyle/>
+          <a:p>
+            <a:r>
+              <a:rPr lang="en-IN" dirty="0" smtClean="0"/>
+              <a:t>Memory</a:t>
+            </a:r>
+            <a:endParaRPr lang="en-IN" dirty="0"/>
+          </a:p>
+        </p:txBody>
+      </p:sp>
+      <p:sp>
+        <p:nvSpPr>
+          <p:cNvPr id="3" name="Content Placeholder 2"/>
+          <p:cNvSpPr>
+            <a:spLocks noGrp="1"/>
+          </p:cNvSpPr>
+          <p:nvPr>
+            <p:ph idx="1"/>
+          </p:nvPr>
+        </p:nvSpPr>
+        <p:spPr/>
+        <p:txBody>
+          <a:bodyPr>
+            <a:normAutofit lnSpcReduction="10000"/>
+          </a:bodyPr>
+          <a:lstStyle/>
+          <a:p>
+            <a:r>
+              <a:rPr lang="en-IN" dirty="0" smtClean="0"/>
+              <a:t>2 Mechanisms to store data on computer – Memory(RAM) &amp; Storage(HDD, Flash, SSD) </a:t>
+            </a:r>
+          </a:p>
+          <a:p>
+            <a:r>
+              <a:rPr lang="en-IN" dirty="0" smtClean="0"/>
+              <a:t>Main Difference – Data is permanent of Storage and volatile on RAM</a:t>
+            </a:r>
+          </a:p>
+          <a:p>
+            <a:pPr lvl="1"/>
+            <a:r>
+              <a:rPr lang="en-IN" dirty="0" smtClean="0"/>
+              <a:t>Some times if we don’t save we will loose the working data from RAM</a:t>
+            </a:r>
+          </a:p>
+          <a:p>
+            <a:pPr lvl="1"/>
+            <a:r>
+              <a:rPr lang="en-IN" dirty="0" smtClean="0"/>
+              <a:t>RAM is like a rough sheet (for temporary storage of computational results).</a:t>
+            </a:r>
+          </a:p>
+          <a:p>
+            <a:pPr lvl="1"/>
+            <a:r>
+              <a:rPr lang="en-IN" dirty="0" smtClean="0"/>
+              <a:t>Task Manager memory monitor</a:t>
+            </a:r>
+          </a:p>
+          <a:p>
+            <a:r>
+              <a:rPr lang="en-IN" dirty="0" smtClean="0"/>
+              <a:t>Why 2 why not entirely on Storage?</a:t>
+            </a:r>
+          </a:p>
+          <a:p>
+            <a:pPr lvl="1"/>
+            <a:r>
+              <a:rPr lang="en-IN" dirty="0" smtClean="0"/>
+              <a:t>Storage is Huge but very Slow &amp; cheaper where as RAM is fast but small &amp; Costlier</a:t>
+            </a:r>
+          </a:p>
+          <a:p>
+            <a:pPr lvl="1"/>
+            <a:r>
+              <a:rPr lang="en-IN" dirty="0" smtClean="0"/>
+              <a:t>Storage is like basement and RAM is like desk.</a:t>
+            </a:r>
+          </a:p>
+          <a:p>
+            <a:r>
+              <a:rPr lang="en-IN" dirty="0" smtClean="0"/>
+              <a:t>Combined work</a:t>
+            </a:r>
+          </a:p>
+          <a:p>
+            <a:pPr lvl="1"/>
+            <a:r>
+              <a:rPr lang="en-IN" dirty="0" smtClean="0"/>
+              <a:t>Apps are stored in Storage </a:t>
+            </a:r>
+          </a:p>
+          <a:p>
+            <a:pPr lvl="1"/>
+            <a:r>
+              <a:rPr lang="en-IN" dirty="0" smtClean="0"/>
+              <a:t>Loaded to Memory when usage</a:t>
+            </a:r>
+          </a:p>
+          <a:p>
+            <a:pPr lvl="1"/>
+            <a:r>
+              <a:rPr lang="en-IN" dirty="0" smtClean="0"/>
+              <a:t>Will run out of space when we try to open them all</a:t>
+            </a:r>
+          </a:p>
+          <a:p>
+            <a:endParaRPr lang="en-IN" dirty="0"/>
+          </a:p>
+        </p:txBody>
+      </p:sp>
+    </p:spTree>
+    <p:extLst>
+      <p:ext uri="{BB962C8B-B14F-4D97-AF65-F5344CB8AC3E}">
+        <p14:creationId xmlns:p14="http://schemas.microsoft.com/office/powerpoint/2010/main" val="188209235"/>
+      </p:ext>
+    </p:extLst>
+  </p:cSld>
+  <p:clrMapOvr>
+    <a:masterClrMapping/>
+  </p:clrMapOvr>
+</p:sld>
+</file>
+
+<file path=ppt/slides/slide4.xml><?xml version="1.0" encoding="utf-8"?>
+<p:sld xmlns:a="http://schemas.openxmlformats.org/drawingml/2006/main" xmlns:r="http://schemas.openxmlformats.org/officeDocument/2006/relationships" xmlns:p="http://schemas.openxmlformats.org/presentationml/2006/main">
+  <p:cSld>
+    <p:spTree>
+      <p:nvGrpSpPr>
+        <p:cNvPr id="1" name=""/>
+        <p:cNvGrpSpPr/>
+        <p:nvPr/>
+      </p:nvGrpSpPr>
+      <p:grpSpPr>
+        <a:xfrm>
+          <a:off x="0" y="0"/>
+          <a:ext cx="0" cy="0"/>
+          <a:chOff x="0" y="0"/>
+          <a:chExt cx="0" cy="0"/>
+        </a:xfrm>
+      </p:grpSpPr>
+      <p:sp>
+        <p:nvSpPr>
+          <p:cNvPr id="2" name="Title 1"/>
+          <p:cNvSpPr>
+            <a:spLocks noGrp="1"/>
+          </p:cNvSpPr>
+          <p:nvPr>
+            <p:ph type="title"/>
+          </p:nvPr>
+        </p:nvSpPr>
+        <p:spPr/>
+        <p:txBody>
+          <a:bodyPr/>
+          <a:lstStyle/>
+          <a:p>
+            <a:r>
+              <a:rPr lang="en-IN" dirty="0" smtClean="0"/>
+              <a:t>Array</a:t>
+            </a:r>
+            <a:endParaRPr lang="en-IN" dirty="0"/>
+          </a:p>
+        </p:txBody>
+      </p:sp>
+      <p:sp>
+        <p:nvSpPr>
+          <p:cNvPr id="3" name="Content Placeholder 2"/>
+          <p:cNvSpPr>
+            <a:spLocks noGrp="1"/>
+          </p:cNvSpPr>
+          <p:nvPr>
+            <p:ph idx="1"/>
+          </p:nvPr>
+        </p:nvSpPr>
+        <p:spPr/>
+        <p:txBody>
+          <a:bodyPr/>
+          <a:lstStyle/>
+          <a:p>
+            <a:r>
+              <a:rPr lang="en-IN" dirty="0" smtClean="0"/>
+              <a:t>Lists or Vectors</a:t>
+            </a:r>
+          </a:p>
+          <a:p>
+            <a:r>
+              <a:rPr lang="en-IN" dirty="0" smtClean="0"/>
+              <a:t>Series of values stored in memory continuously.</a:t>
+            </a:r>
+          </a:p>
+          <a:p>
+            <a:r>
+              <a:rPr lang="en-IN" dirty="0" smtClean="0"/>
+              <a:t>Ruby can have multiple Types in a </a:t>
+            </a:r>
+            <a:r>
+              <a:rPr lang="en-IN" smtClean="0"/>
+              <a:t>single array.</a:t>
+            </a:r>
+            <a:endParaRPr lang="en-IN" dirty="0" smtClean="0"/>
+          </a:p>
+          <a:p>
+            <a:endParaRPr lang="en-IN" dirty="0"/>
+          </a:p>
+        </p:txBody>
+      </p:sp>
+    </p:spTree>
+    <p:extLst>
+      <p:ext uri="{BB962C8B-B14F-4D97-AF65-F5344CB8AC3E}">
+        <p14:creationId xmlns:p14="http://schemas.microsoft.com/office/powerpoint/2010/main" val="1369581081"/>
+      </p:ext>
+    </p:extLst>
+  </p:cSld>
+  <p:clrMapOvr>
+    <a:masterClrMapping/>
+  </p:clrMapOvr>
+</p:sld>
+</file>
+
+<file path=ppt/slides/slide5.xml><?xml version="1.0" encoding="utf-8"?>
+<p:sld xmlns:a="http://schemas.openxmlformats.org/drawingml/2006/main" xmlns:r="http://schemas.openxmlformats.org/officeDocument/2006/relationships" xmlns:p="http://schemas.openxmlformats.org/presentationml/2006/main">
+  <p:cSld>
+    <p:spTree>
+      <p:nvGrpSpPr>
+        <p:cNvPr id="1" name=""/>
+        <p:cNvGrpSpPr/>
+        <p:nvPr/>
+      </p:nvGrpSpPr>
+      <p:grpSpPr>
+        <a:xfrm>
+          <a:off x="0" y="0"/>
+          <a:ext cx="0" cy="0"/>
+          <a:chOff x="0" y="0"/>
+          <a:chExt cx="0" cy="0"/>
+        </a:xfrm>
+      </p:grpSpPr>
+      <p:sp>
+        <p:nvSpPr>
+          <p:cNvPr id="2" name="Title 1"/>
+          <p:cNvSpPr>
+            <a:spLocks noGrp="1"/>
+          </p:cNvSpPr>
+          <p:nvPr>
+            <p:ph type="title"/>
+          </p:nvPr>
+        </p:nvSpPr>
+        <p:spPr/>
+        <p:txBody>
+          <a:bodyPr/>
+          <a:lstStyle/>
+          <a:p>
+            <a:endParaRPr lang="en-IN"/>
+          </a:p>
+        </p:txBody>
+      </p:sp>
+      <p:sp>
+        <p:nvSpPr>
+          <p:cNvPr id="3" name="Content Placeholder 2"/>
+          <p:cNvSpPr>
+            <a:spLocks noGrp="1"/>
+          </p:cNvSpPr>
+          <p:nvPr>
+            <p:ph idx="1"/>
+          </p:nvPr>
+        </p:nvSpPr>
+        <p:spPr/>
+        <p:txBody>
+          <a:bodyPr>
+            <a:normAutofit/>
+          </a:bodyPr>
+          <a:lstStyle/>
+          <a:p>
+            <a:endParaRPr lang="en-IN" dirty="0"/>
+          </a:p>
+        </p:txBody>
+      </p:sp>
+      <p:graphicFrame>
+        <p:nvGraphicFramePr>
+          <p:cNvPr id="5" name="Table 4"/>
+          <p:cNvGraphicFramePr>
+            <a:graphicFrameLocks noGrp="1"/>
+          </p:cNvGraphicFramePr>
+          <p:nvPr>
+            <p:extLst>
+              <p:ext uri="{D42A27DB-BD31-4B8C-83A1-F6EECF244321}">
+                <p14:modId xmlns:p14="http://schemas.microsoft.com/office/powerpoint/2010/main" val="2365983371"/>
+              </p:ext>
+            </p:extLst>
+          </p:nvPr>
+        </p:nvGraphicFramePr>
+        <p:xfrm>
+          <a:off x="4291742" y="2256312"/>
+          <a:ext cx="3455720" cy="2961640"/>
+        </p:xfrm>
+        <a:graphic>
+          <a:graphicData uri="http://schemas.openxmlformats.org/drawingml/2006/table">
+            <a:tbl>
+              <a:tblPr firstRow="1" bandRow="1">
+                <a:tableStyleId>{5C22544A-7EE6-4342-B048-85BDC9FD1C3A}</a:tableStyleId>
+              </a:tblPr>
+              <a:tblGrid>
+                <a:gridCol w="2351313">
+                  <a:extLst>
+                    <a:ext uri="{9D8B030D-6E8A-4147-A177-3AD203B41FA5}">
+                      <a16:colId xmlns:a16="http://schemas.microsoft.com/office/drawing/2014/main" val="3673046290"/>
+                    </a:ext>
+                  </a:extLst>
+                </a:gridCol>
+                <a:gridCol w="1104407">
+                  <a:extLst>
+                    <a:ext uri="{9D8B030D-6E8A-4147-A177-3AD203B41FA5}">
+                      <a16:colId xmlns:a16="http://schemas.microsoft.com/office/drawing/2014/main" val="2908033527"/>
+                    </a:ext>
+                  </a:extLst>
+                </a:gridCol>
+              </a:tblGrid>
+              <a:tr h="211732">
+                <a:tc>
+                  <a:txBody>
+                    <a:bodyPr/>
+                    <a:lstStyle/>
+                    <a:p>
+                      <a:r>
+                        <a:rPr lang="en-IN" dirty="0" smtClean="0"/>
+                        <a:t>Memory Location</a:t>
+                      </a:r>
+                      <a:endParaRPr lang="en-IN" dirty="0"/>
+                    </a:p>
+                  </a:txBody>
+                  <a:tcPr/>
+                </a:tc>
+                <a:tc>
+                  <a:txBody>
+                    <a:bodyPr/>
+                    <a:lstStyle/>
+                    <a:p>
+                      <a:r>
+                        <a:rPr lang="en-IN" dirty="0" smtClean="0"/>
+                        <a:t>Value</a:t>
+                      </a:r>
+                      <a:endParaRPr lang="en-IN" dirty="0"/>
+                    </a:p>
+                  </a:txBody>
+                  <a:tcPr/>
+                </a:tc>
+                <a:extLst>
+                  <a:ext uri="{0D108BD9-81ED-4DB2-BD59-A6C34878D82A}">
+                    <a16:rowId xmlns:a16="http://schemas.microsoft.com/office/drawing/2014/main" val="1476738461"/>
+                  </a:ext>
+                </a:extLst>
+              </a:tr>
+              <a:tr h="370840">
+                <a:tc>
+                  <a:txBody>
+                    <a:bodyPr/>
+                    <a:lstStyle/>
+                    <a:p>
+                      <a:r>
+                        <a:rPr lang="en-IN" dirty="0" smtClean="0"/>
+                        <a:t>……….</a:t>
+                      </a:r>
+                      <a:endParaRPr lang="en-IN" dirty="0"/>
+                    </a:p>
+                  </a:txBody>
+                  <a:tcPr/>
+                </a:tc>
+                <a:tc>
+                  <a:txBody>
+                    <a:bodyPr/>
+                    <a:lstStyle/>
+                    <a:p>
+                      <a:r>
+                        <a:rPr lang="en-IN" dirty="0" smtClean="0"/>
+                        <a:t>…………</a:t>
+                      </a:r>
+                      <a:endParaRPr lang="en-IN" dirty="0"/>
+                    </a:p>
+                  </a:txBody>
+                  <a:tcPr/>
+                </a:tc>
+                <a:extLst>
+                  <a:ext uri="{0D108BD9-81ED-4DB2-BD59-A6C34878D82A}">
+                    <a16:rowId xmlns:a16="http://schemas.microsoft.com/office/drawing/2014/main" val="2365291547"/>
+                  </a:ext>
+                </a:extLst>
+              </a:tr>
+              <a:tr h="370840">
+                <a:tc>
+                  <a:txBody>
+                    <a:bodyPr/>
+                    <a:lstStyle/>
+                    <a:p>
+                      <a:r>
+                        <a:rPr lang="en-IN" dirty="0" smtClean="0"/>
+                        <a:t>1000</a:t>
+                      </a:r>
+                      <a:endParaRPr lang="en-IN" dirty="0"/>
+                    </a:p>
+                  </a:txBody>
+                  <a:tcPr/>
+                </a:tc>
+                <a:tc>
+                  <a:txBody>
+                    <a:bodyPr/>
+                    <a:lstStyle/>
+                    <a:p>
+                      <a:r>
+                        <a:rPr lang="en-IN" dirty="0" smtClean="0"/>
+                        <a:t>Ruby</a:t>
+                      </a:r>
+                      <a:endParaRPr lang="en-IN" dirty="0"/>
+                    </a:p>
+                  </a:txBody>
+                  <a:tcPr/>
+                </a:tc>
+                <a:extLst>
+                  <a:ext uri="{0D108BD9-81ED-4DB2-BD59-A6C34878D82A}">
+                    <a16:rowId xmlns:a16="http://schemas.microsoft.com/office/drawing/2014/main" val="1802308171"/>
+                  </a:ext>
+                </a:extLst>
+              </a:tr>
+              <a:tr h="370840">
+                <a:tc>
+                  <a:txBody>
+                    <a:bodyPr/>
+                    <a:lstStyle/>
+                    <a:p>
+                      <a:r>
+                        <a:rPr lang="en-IN" dirty="0" smtClean="0"/>
+                        <a:t>1004</a:t>
+                      </a:r>
+                      <a:endParaRPr lang="en-IN" dirty="0"/>
+                    </a:p>
+                  </a:txBody>
+                  <a:tcPr/>
+                </a:tc>
+                <a:tc>
+                  <a:txBody>
+                    <a:bodyPr/>
+                    <a:lstStyle/>
+                    <a:p>
+                      <a:r>
+                        <a:rPr lang="en-IN" dirty="0" smtClean="0"/>
+                        <a:t>Java</a:t>
+                      </a:r>
+                      <a:endParaRPr lang="en-IN" dirty="0"/>
+                    </a:p>
+                  </a:txBody>
+                  <a:tcPr/>
+                </a:tc>
+                <a:extLst>
+                  <a:ext uri="{0D108BD9-81ED-4DB2-BD59-A6C34878D82A}">
+                    <a16:rowId xmlns:a16="http://schemas.microsoft.com/office/drawing/2014/main" val="2055160629"/>
+                  </a:ext>
+                </a:extLst>
+              </a:tr>
+              <a:tr h="370840">
+                <a:tc>
+                  <a:txBody>
+                    <a:bodyPr/>
+                    <a:lstStyle/>
+                    <a:p>
+                      <a:r>
+                        <a:rPr lang="en-IN" dirty="0" smtClean="0"/>
+                        <a:t>1008</a:t>
+                      </a:r>
+                      <a:endParaRPr lang="en-IN" dirty="0"/>
+                    </a:p>
+                  </a:txBody>
+                  <a:tcPr/>
+                </a:tc>
+                <a:tc>
+                  <a:txBody>
+                    <a:bodyPr/>
+                    <a:lstStyle/>
+                    <a:p>
+                      <a:r>
+                        <a:rPr lang="en-IN" dirty="0" err="1" smtClean="0"/>
+                        <a:t>Kotlin</a:t>
+                      </a:r>
+                      <a:endParaRPr lang="en-IN" dirty="0"/>
+                    </a:p>
+                  </a:txBody>
+                  <a:tcPr/>
+                </a:tc>
+                <a:extLst>
+                  <a:ext uri="{0D108BD9-81ED-4DB2-BD59-A6C34878D82A}">
+                    <a16:rowId xmlns:a16="http://schemas.microsoft.com/office/drawing/2014/main" val="2121276914"/>
+                  </a:ext>
+                </a:extLst>
+              </a:tr>
+              <a:tr h="370840">
+                <a:tc>
+                  <a:txBody>
+                    <a:bodyPr/>
+                    <a:lstStyle/>
+                    <a:p>
+                      <a:r>
+                        <a:rPr lang="en-IN" dirty="0" smtClean="0"/>
+                        <a:t>1012</a:t>
+                      </a:r>
+                      <a:endParaRPr lang="en-IN" dirty="0"/>
+                    </a:p>
+                  </a:txBody>
+                  <a:tcPr/>
+                </a:tc>
+                <a:tc>
+                  <a:txBody>
+                    <a:bodyPr/>
+                    <a:lstStyle/>
+                    <a:p>
+                      <a:r>
+                        <a:rPr lang="en-IN" dirty="0" err="1" smtClean="0"/>
+                        <a:t>Lua</a:t>
+                      </a:r>
+                      <a:endParaRPr lang="en-IN" dirty="0"/>
+                    </a:p>
+                  </a:txBody>
+                  <a:tcPr/>
+                </a:tc>
+                <a:extLst>
+                  <a:ext uri="{0D108BD9-81ED-4DB2-BD59-A6C34878D82A}">
+                    <a16:rowId xmlns:a16="http://schemas.microsoft.com/office/drawing/2014/main" val="3866324981"/>
+                  </a:ext>
+                </a:extLst>
+              </a:tr>
+              <a:tr h="370840">
+                <a:tc>
+                  <a:txBody>
+                    <a:bodyPr/>
+                    <a:lstStyle/>
+                    <a:p>
+                      <a:r>
+                        <a:rPr lang="en-IN" dirty="0" smtClean="0"/>
+                        <a:t>1016</a:t>
+                      </a:r>
+                      <a:endParaRPr lang="en-IN" dirty="0"/>
+                    </a:p>
+                  </a:txBody>
+                  <a:tcPr/>
+                </a:tc>
+                <a:tc>
+                  <a:txBody>
+                    <a:bodyPr/>
+                    <a:lstStyle/>
+                    <a:p>
+                      <a:r>
+                        <a:rPr lang="en-IN" dirty="0" smtClean="0"/>
+                        <a:t>Perl</a:t>
+                      </a:r>
+                      <a:endParaRPr lang="en-IN" dirty="0"/>
+                    </a:p>
+                  </a:txBody>
+                  <a:tcPr/>
+                </a:tc>
+                <a:extLst>
+                  <a:ext uri="{0D108BD9-81ED-4DB2-BD59-A6C34878D82A}">
+                    <a16:rowId xmlns:a16="http://schemas.microsoft.com/office/drawing/2014/main" val="3878162713"/>
+                  </a:ext>
+                </a:extLst>
+              </a:tr>
+              <a:tr h="370840">
+                <a:tc>
+                  <a:txBody>
+                    <a:bodyPr/>
+                    <a:lstStyle/>
+                    <a:p>
+                      <a:r>
+                        <a:rPr lang="en-IN" dirty="0" smtClean="0"/>
+                        <a:t>1020</a:t>
+                      </a:r>
+                      <a:endParaRPr lang="en-IN" dirty="0"/>
+                    </a:p>
+                  </a:txBody>
+                  <a:tcPr/>
+                </a:tc>
+                <a:tc>
+                  <a:txBody>
+                    <a:bodyPr/>
+                    <a:lstStyle/>
+                    <a:p>
+                      <a:r>
+                        <a:rPr lang="en-IN" dirty="0" smtClean="0"/>
+                        <a:t>………….</a:t>
+                      </a:r>
+                      <a:endParaRPr lang="en-IN" dirty="0"/>
+                    </a:p>
+                  </a:txBody>
+                  <a:tcPr/>
+                </a:tc>
+                <a:extLst>
+                  <a:ext uri="{0D108BD9-81ED-4DB2-BD59-A6C34878D82A}">
+                    <a16:rowId xmlns:a16="http://schemas.microsoft.com/office/drawing/2014/main" val="3282657012"/>
+                  </a:ext>
+                </a:extLst>
+              </a:tr>
+            </a:tbl>
+          </a:graphicData>
+        </a:graphic>
+      </p:graphicFrame>
+      <p:sp>
+        <p:nvSpPr>
+          <p:cNvPr id="6" name="Rectangle 5"/>
+          <p:cNvSpPr/>
+          <p:nvPr/>
+        </p:nvSpPr>
+        <p:spPr>
+          <a:xfrm>
+            <a:off x="1851363" y="2968831"/>
+            <a:ext cx="1686296" cy="415636"/>
+          </a:xfrm>
+          <a:prstGeom prst="rect">
+            <a:avLst/>
+          </a:prstGeom>
+        </p:spPr>
+        <p:style>
+          <a:lnRef idx="2">
+            <a:schemeClr val="accent1">
+              <a:shade val="50000"/>
+            </a:schemeClr>
+          </a:lnRef>
+          <a:fillRef idx="1">
+            <a:schemeClr val="accent1"/>
+          </a:fillRef>
+          <a:effectRef idx="0">
+            <a:schemeClr val="accent1"/>
+          </a:effectRef>
+          <a:fontRef idx="minor">
+            <a:schemeClr val="lt1"/>
+          </a:fontRef>
+        </p:style>
+        <p:txBody>
+          <a:bodyPr rtlCol="0" anchor="ctr"/>
+          <a:lstStyle/>
+          <a:p>
+            <a:pPr algn="ctr"/>
+            <a:r>
+              <a:rPr lang="en-IN" dirty="0" smtClean="0"/>
+              <a:t>Names</a:t>
+            </a:r>
+            <a:endParaRPr lang="en-IN" dirty="0"/>
+          </a:p>
+        </p:txBody>
+      </p:sp>
+      <p:cxnSp>
+        <p:nvCxnSpPr>
+          <p:cNvPr id="8" name="Straight Arrow Connector 7"/>
+          <p:cNvCxnSpPr>
+            <a:stCxn id="6" idx="3"/>
+          </p:cNvCxnSpPr>
+          <p:nvPr/>
+        </p:nvCxnSpPr>
+        <p:spPr>
+          <a:xfrm>
+            <a:off x="3537659" y="3176649"/>
+            <a:ext cx="754083" cy="5938"/>
+          </a:xfrm>
+          <a:prstGeom prst="straightConnector1">
+            <a:avLst/>
+          </a:prstGeom>
+          <a:ln>
+            <a:tailEnd type="triangle"/>
+          </a:ln>
+        </p:spPr>
+        <p:style>
+          <a:lnRef idx="1">
+            <a:schemeClr val="accent1"/>
+          </a:lnRef>
+          <a:fillRef idx="0">
+            <a:schemeClr val="accent1"/>
+          </a:fillRef>
+          <a:effectRef idx="0">
+            <a:schemeClr val="accent1"/>
+          </a:effectRef>
+          <a:fontRef idx="minor">
+            <a:schemeClr val="tx1"/>
+          </a:fontRef>
+        </p:style>
+      </p:cxnSp>
+      <p:sp>
+        <p:nvSpPr>
+          <p:cNvPr id="10" name="Flowchart: Connector 9"/>
+          <p:cNvSpPr/>
+          <p:nvPr/>
+        </p:nvSpPr>
+        <p:spPr>
+          <a:xfrm>
+            <a:off x="5223955" y="3072740"/>
+            <a:ext cx="165067" cy="207818"/>
+          </a:xfrm>
+          <a:prstGeom prst="flowChartConnector">
+            <a:avLst/>
+          </a:prstGeom>
+        </p:spPr>
+        <p:style>
+          <a:lnRef idx="2">
+            <a:schemeClr val="accent1">
+              <a:shade val="50000"/>
+            </a:schemeClr>
+          </a:lnRef>
+          <a:fillRef idx="1">
+            <a:schemeClr val="accent1"/>
+          </a:fillRef>
+          <a:effectRef idx="0">
+            <a:schemeClr val="accent1"/>
+          </a:effectRef>
+          <a:fontRef idx="minor">
+            <a:schemeClr val="lt1"/>
+          </a:fontRef>
+        </p:style>
+        <p:txBody>
+          <a:bodyPr rtlCol="0" anchor="ctr"/>
+          <a:lstStyle/>
+          <a:p>
+            <a:pPr algn="ctr"/>
+            <a:endParaRPr lang="en-IN"/>
+          </a:p>
+        </p:txBody>
+      </p:sp>
+    </p:spTree>
+    <p:extLst>
+      <p:ext uri="{BB962C8B-B14F-4D97-AF65-F5344CB8AC3E}">
+        <p14:creationId xmlns:p14="http://schemas.microsoft.com/office/powerpoint/2010/main" val="686720485"/>
+      </p:ext>
+    </p:extLst>
+  </p:cSld>
+  <p:clrMapOvr>
+    <a:masterClrMapping/>
+  </p:clrMapOvr>
+</p:sld>
+</file>
+
+<file path=ppt/slides/slide6.xml><?xml version="1.0" encoding="utf-8"?>
+<p:sld xmlns:a="http://schemas.openxmlformats.org/drawingml/2006/main" xmlns:r="http://schemas.openxmlformats.org/officeDocument/2006/relationships" xmlns:p="http://schemas.openxmlformats.org/presentationml/2006/main">
+  <p:cSld>
+    <p:spTree>
+      <p:nvGrpSpPr>
+        <p:cNvPr id="1" name=""/>
+        <p:cNvGrpSpPr/>
+        <p:nvPr/>
+      </p:nvGrpSpPr>
+      <p:grpSpPr>
+        <a:xfrm>
+          <a:off x="0" y="0"/>
+          <a:ext cx="0" cy="0"/>
+          <a:chOff x="0" y="0"/>
+          <a:chExt cx="0" cy="0"/>
+        </a:xfrm>
+      </p:grpSpPr>
+      <p:sp>
+        <p:nvSpPr>
+          <p:cNvPr id="2" name="Title 1"/>
+          <p:cNvSpPr>
+            <a:spLocks noGrp="1"/>
+          </p:cNvSpPr>
+          <p:nvPr>
+            <p:ph type="title"/>
+          </p:nvPr>
+        </p:nvSpPr>
+        <p:spPr/>
+        <p:txBody>
+          <a:bodyPr/>
+          <a:lstStyle/>
+          <a:p>
+            <a:r>
+              <a:rPr lang="en-IN" dirty="0" smtClean="0"/>
+              <a:t>Strings as Array</a:t>
+            </a:r>
+            <a:endParaRPr lang="en-IN" dirty="0"/>
+          </a:p>
+        </p:txBody>
+      </p:sp>
+      <p:graphicFrame>
+        <p:nvGraphicFramePr>
+          <p:cNvPr id="4" name="Content Placeholder 3"/>
+          <p:cNvGraphicFramePr>
+            <a:graphicFrameLocks noGrp="1"/>
+          </p:cNvGraphicFramePr>
+          <p:nvPr>
+            <p:ph idx="1"/>
+            <p:extLst>
+              <p:ext uri="{D42A27DB-BD31-4B8C-83A1-F6EECF244321}">
+                <p14:modId xmlns:p14="http://schemas.microsoft.com/office/powerpoint/2010/main" val="3223448311"/>
+              </p:ext>
+            </p:extLst>
+          </p:nvPr>
+        </p:nvGraphicFramePr>
+        <p:xfrm>
+          <a:off x="6923314" y="1846263"/>
+          <a:ext cx="4233762" cy="2225040"/>
+        </p:xfrm>
+        <a:graphic>
+          <a:graphicData uri="http://schemas.openxmlformats.org/drawingml/2006/table">
+            <a:tbl>
+              <a:tblPr firstRow="1" bandRow="1">
+                <a:tableStyleId>{5C22544A-7EE6-4342-B048-85BDC9FD1C3A}</a:tableStyleId>
+              </a:tblPr>
+              <a:tblGrid>
+                <a:gridCol w="2541320">
+                  <a:extLst>
+                    <a:ext uri="{9D8B030D-6E8A-4147-A177-3AD203B41FA5}">
+                      <a16:colId xmlns:a16="http://schemas.microsoft.com/office/drawing/2014/main" val="1819270040"/>
+                    </a:ext>
+                  </a:extLst>
+                </a:gridCol>
+                <a:gridCol w="1692442">
+                  <a:extLst>
+                    <a:ext uri="{9D8B030D-6E8A-4147-A177-3AD203B41FA5}">
+                      <a16:colId xmlns:a16="http://schemas.microsoft.com/office/drawing/2014/main" val="2239981531"/>
+                    </a:ext>
+                  </a:extLst>
+                </a:gridCol>
+              </a:tblGrid>
+              <a:tr h="370840">
+                <a:tc>
+                  <a:txBody>
+                    <a:bodyPr/>
+                    <a:lstStyle/>
+                    <a:p>
+                      <a:r>
+                        <a:rPr lang="en-IN" dirty="0" smtClean="0"/>
+                        <a:t>Memory Location</a:t>
+                      </a:r>
+                      <a:endParaRPr lang="en-IN" dirty="0"/>
+                    </a:p>
+                  </a:txBody>
+                  <a:tcPr marL="292313" marR="292313"/>
+                </a:tc>
+                <a:tc>
+                  <a:txBody>
+                    <a:bodyPr/>
+                    <a:lstStyle/>
+                    <a:p>
+                      <a:r>
+                        <a:rPr lang="en-IN" dirty="0" smtClean="0"/>
+                        <a:t>Value</a:t>
+                      </a:r>
+                      <a:endParaRPr lang="en-IN" dirty="0"/>
+                    </a:p>
+                  </a:txBody>
+                  <a:tcPr marL="292313" marR="292313"/>
+                </a:tc>
+                <a:extLst>
+                  <a:ext uri="{0D108BD9-81ED-4DB2-BD59-A6C34878D82A}">
+                    <a16:rowId xmlns:a16="http://schemas.microsoft.com/office/drawing/2014/main" val="1802386020"/>
+                  </a:ext>
+                </a:extLst>
+              </a:tr>
+              <a:tr h="370840">
+                <a:tc>
+                  <a:txBody>
+                    <a:bodyPr/>
+                    <a:lstStyle/>
+                    <a:p>
+                      <a:r>
+                        <a:rPr lang="en-IN" dirty="0" smtClean="0"/>
+                        <a:t>1000</a:t>
+                      </a:r>
+                      <a:endParaRPr lang="en-IN" dirty="0"/>
+                    </a:p>
+                  </a:txBody>
+                  <a:tcPr marL="292313" marR="292313"/>
+                </a:tc>
+                <a:tc>
+                  <a:txBody>
+                    <a:bodyPr/>
+                    <a:lstStyle/>
+                    <a:p>
+                      <a:r>
+                        <a:rPr lang="en-IN" dirty="0" smtClean="0"/>
+                        <a:t>R</a:t>
+                      </a:r>
+                      <a:endParaRPr lang="en-IN" dirty="0"/>
+                    </a:p>
+                  </a:txBody>
+                  <a:tcPr marL="292313" marR="292313"/>
+                </a:tc>
+                <a:extLst>
+                  <a:ext uri="{0D108BD9-81ED-4DB2-BD59-A6C34878D82A}">
+                    <a16:rowId xmlns:a16="http://schemas.microsoft.com/office/drawing/2014/main" val="828430321"/>
+                  </a:ext>
+                </a:extLst>
+              </a:tr>
+              <a:tr h="370840">
+                <a:tc>
+                  <a:txBody>
+                    <a:bodyPr/>
+                    <a:lstStyle/>
+                    <a:p>
+                      <a:r>
+                        <a:rPr lang="en-IN" dirty="0" smtClean="0"/>
+                        <a:t>1002</a:t>
+                      </a:r>
+                      <a:endParaRPr lang="en-IN" dirty="0"/>
+                    </a:p>
+                  </a:txBody>
+                  <a:tcPr marL="292313" marR="292313"/>
+                </a:tc>
+                <a:tc>
+                  <a:txBody>
+                    <a:bodyPr/>
+                    <a:lstStyle/>
+                    <a:p>
+                      <a:r>
+                        <a:rPr lang="en-IN" dirty="0" smtClean="0"/>
+                        <a:t>u</a:t>
+                      </a:r>
+                      <a:endParaRPr lang="en-IN" dirty="0"/>
+                    </a:p>
+                  </a:txBody>
+                  <a:tcPr marL="292313" marR="292313"/>
+                </a:tc>
+                <a:extLst>
+                  <a:ext uri="{0D108BD9-81ED-4DB2-BD59-A6C34878D82A}">
+                    <a16:rowId xmlns:a16="http://schemas.microsoft.com/office/drawing/2014/main" val="519537534"/>
+                  </a:ext>
+                </a:extLst>
+              </a:tr>
+              <a:tr h="370840">
+                <a:tc>
+                  <a:txBody>
+                    <a:bodyPr/>
+                    <a:lstStyle/>
+                    <a:p>
+                      <a:r>
+                        <a:rPr lang="en-IN" dirty="0" smtClean="0"/>
+                        <a:t>1004</a:t>
+                      </a:r>
+                      <a:endParaRPr lang="en-IN" dirty="0"/>
+                    </a:p>
+                  </a:txBody>
+                  <a:tcPr marL="292313" marR="292313"/>
+                </a:tc>
+                <a:tc>
+                  <a:txBody>
+                    <a:bodyPr/>
+                    <a:lstStyle/>
+                    <a:p>
+                      <a:r>
+                        <a:rPr lang="en-IN" dirty="0" smtClean="0"/>
+                        <a:t>b</a:t>
+                      </a:r>
+                      <a:endParaRPr lang="en-IN" dirty="0"/>
+                    </a:p>
+                  </a:txBody>
+                  <a:tcPr marL="292313" marR="292313"/>
+                </a:tc>
+                <a:extLst>
+                  <a:ext uri="{0D108BD9-81ED-4DB2-BD59-A6C34878D82A}">
+                    <a16:rowId xmlns:a16="http://schemas.microsoft.com/office/drawing/2014/main" val="1064400131"/>
+                  </a:ext>
+                </a:extLst>
+              </a:tr>
+              <a:tr h="370840">
+                <a:tc>
+                  <a:txBody>
+                    <a:bodyPr/>
+                    <a:lstStyle/>
+                    <a:p>
+                      <a:r>
+                        <a:rPr lang="en-IN" dirty="0" smtClean="0"/>
+                        <a:t>1006</a:t>
+                      </a:r>
+                      <a:endParaRPr lang="en-IN" dirty="0"/>
+                    </a:p>
+                  </a:txBody>
+                  <a:tcPr marL="292313" marR="292313"/>
+                </a:tc>
+                <a:tc>
+                  <a:txBody>
+                    <a:bodyPr/>
+                    <a:lstStyle/>
+                    <a:p>
+                      <a:r>
+                        <a:rPr lang="en-IN" dirty="0" smtClean="0"/>
+                        <a:t>y</a:t>
+                      </a:r>
+                      <a:endParaRPr lang="en-IN" dirty="0"/>
+                    </a:p>
+                  </a:txBody>
+                  <a:tcPr marL="292313" marR="292313"/>
+                </a:tc>
+                <a:extLst>
+                  <a:ext uri="{0D108BD9-81ED-4DB2-BD59-A6C34878D82A}">
+                    <a16:rowId xmlns:a16="http://schemas.microsoft.com/office/drawing/2014/main" val="82079703"/>
+                  </a:ext>
+                </a:extLst>
+              </a:tr>
+              <a:tr h="370840">
+                <a:tc>
+                  <a:txBody>
+                    <a:bodyPr/>
+                    <a:lstStyle/>
+                    <a:p>
+                      <a:endParaRPr lang="en-IN" dirty="0"/>
+                    </a:p>
+                  </a:txBody>
+                  <a:tcPr marL="292313" marR="292313"/>
+                </a:tc>
+                <a:tc>
+                  <a:txBody>
+                    <a:bodyPr/>
+                    <a:lstStyle/>
+                    <a:p>
+                      <a:endParaRPr lang="en-IN" dirty="0"/>
+                    </a:p>
+                  </a:txBody>
+                  <a:tcPr marL="292313" marR="292313"/>
+                </a:tc>
+                <a:extLst>
+                  <a:ext uri="{0D108BD9-81ED-4DB2-BD59-A6C34878D82A}">
+                    <a16:rowId xmlns:a16="http://schemas.microsoft.com/office/drawing/2014/main" val="2225183287"/>
+                  </a:ext>
+                </a:extLst>
+              </a:tr>
+            </a:tbl>
+          </a:graphicData>
+        </a:graphic>
+      </p:graphicFrame>
+      <p:sp>
+        <p:nvSpPr>
+          <p:cNvPr id="5" name="TextBox 4"/>
+          <p:cNvSpPr txBox="1"/>
+          <p:nvPr/>
+        </p:nvSpPr>
+        <p:spPr>
+          <a:xfrm>
+            <a:off x="1246909" y="1846263"/>
+            <a:ext cx="5557652" cy="1477328"/>
+          </a:xfrm>
+          <a:prstGeom prst="rect">
+            <a:avLst/>
+          </a:prstGeom>
+          <a:noFill/>
+        </p:spPr>
+        <p:txBody>
+          <a:bodyPr wrap="square" rtlCol="0">
+            <a:spAutoFit/>
+          </a:bodyPr>
+          <a:lstStyle/>
+          <a:p>
+            <a:r>
+              <a:rPr lang="en-IN" dirty="0" smtClean="0"/>
+              <a:t>Strings are the Syntactic sugar of Character Array.</a:t>
+            </a:r>
+          </a:p>
+          <a:p>
+            <a:endParaRPr lang="en-IN" dirty="0"/>
+          </a:p>
+          <a:p>
+            <a:r>
+              <a:rPr lang="en-IN" dirty="0" smtClean="0"/>
+              <a:t>Why only </a:t>
+            </a:r>
+            <a:r>
+              <a:rPr lang="en-IN" dirty="0"/>
+              <a:t>C</a:t>
+            </a:r>
+            <a:r>
+              <a:rPr lang="en-IN" dirty="0" smtClean="0"/>
+              <a:t>haracter Array?</a:t>
+            </a:r>
+          </a:p>
+          <a:p>
+            <a:endParaRPr lang="en-IN" dirty="0"/>
+          </a:p>
+          <a:p>
+            <a:r>
+              <a:rPr lang="en-IN" dirty="0" smtClean="0"/>
+              <a:t>Name = “Ruby”</a:t>
+            </a:r>
+            <a:endParaRPr lang="en-IN" dirty="0"/>
+          </a:p>
+        </p:txBody>
+      </p:sp>
+    </p:spTree>
+    <p:extLst>
+      <p:ext uri="{BB962C8B-B14F-4D97-AF65-F5344CB8AC3E}">
+        <p14:creationId xmlns:p14="http://schemas.microsoft.com/office/powerpoint/2010/main" val="3776077379"/>
+      </p:ext>
+    </p:extLst>
+  </p:cSld>
+  <p:clrMapOvr>
+    <a:masterClrMapping/>
+  </p:clrMapOvr>
+</p:sld>
+</file>
+
+<file path=ppt/slides/slide7.xml><?xml version="1.0" encoding="utf-8"?>
+<p:sld xmlns:a="http://schemas.openxmlformats.org/drawingml/2006/main" xmlns:r="http://schemas.openxmlformats.org/officeDocument/2006/relationships" xmlns:p="http://schemas.openxmlformats.org/presentationml/2006/main">
+  <p:cSld>
+    <p:spTree>
+      <p:nvGrpSpPr>
+        <p:cNvPr id="1" name=""/>
+        <p:cNvGrpSpPr/>
+        <p:nvPr/>
+      </p:nvGrpSpPr>
+      <p:grpSpPr>
+        <a:xfrm>
+          <a:off x="0" y="0"/>
+          <a:ext cx="0" cy="0"/>
+          <a:chOff x="0" y="0"/>
+          <a:chExt cx="0" cy="0"/>
+        </a:xfrm>
+      </p:grpSpPr>
+      <p:sp>
+        <p:nvSpPr>
+          <p:cNvPr id="2" name="Title 1"/>
+          <p:cNvSpPr>
+            <a:spLocks noGrp="1"/>
+          </p:cNvSpPr>
+          <p:nvPr>
+            <p:ph type="title"/>
+          </p:nvPr>
+        </p:nvSpPr>
+        <p:spPr/>
+        <p:txBody>
+          <a:bodyPr/>
+          <a:lstStyle/>
+          <a:p>
+            <a:r>
+              <a:rPr lang="en-IN" dirty="0" smtClean="0"/>
+              <a:t>Matrix</a:t>
+            </a:r>
+            <a:endParaRPr lang="en-IN" dirty="0"/>
+          </a:p>
+        </p:txBody>
+      </p:sp>
+      <p:sp>
+        <p:nvSpPr>
+          <p:cNvPr id="3" name="Content Placeholder 2"/>
+          <p:cNvSpPr>
+            <a:spLocks noGrp="1"/>
+          </p:cNvSpPr>
+          <p:nvPr>
+            <p:ph idx="1"/>
+          </p:nvPr>
+        </p:nvSpPr>
+        <p:spPr/>
+        <p:txBody>
+          <a:bodyPr/>
+          <a:lstStyle/>
+          <a:p>
+            <a:r>
+              <a:rPr lang="en-IN" dirty="0" smtClean="0"/>
+              <a:t>Row Major Storage</a:t>
+            </a:r>
+            <a:endParaRPr lang="en-IN" dirty="0"/>
+          </a:p>
+        </p:txBody>
+      </p:sp>
+    </p:spTree>
+    <p:extLst>
+      <p:ext uri="{BB962C8B-B14F-4D97-AF65-F5344CB8AC3E}">
+        <p14:creationId xmlns:p14="http://schemas.microsoft.com/office/powerpoint/2010/main" val="4171406415"/>
+      </p:ext>
+    </p:extLst>
+  </p:cSld>
+  <p:clrMapOvr>
+    <a:masterClrMapping/>
+  </p:clrMapOvr>
+</p:sld>
+</file>
+
+<file path=ppt/slides/slide8.xml><?xml version="1.0" encoding="utf-8"?>
 <p:sld xmlns:a="http://schemas.openxmlformats.org/drawingml/2006/main" xmlns:r="http://schemas.openxmlformats.org/officeDocument/2006/relationships" xmlns:p="http://schemas.openxmlformats.org/presentationml/2006/main">
   <p:cSld>
     <p:spTree>

--- a/Session2-Array&Strings.pptx
+++ b/Session2-Array&Strings.pptx
@@ -5,17 +5,21 @@
     <p:sldMasterId id="2147483725" r:id="rId1"/>
   </p:sldMasterIdLst>
   <p:notesMasterIdLst>
-    <p:notesMasterId r:id="rId10"/>
+    <p:notesMasterId r:id="rId14"/>
   </p:notesMasterIdLst>
   <p:sldIdLst>
     <p:sldId id="256" r:id="rId2"/>
-    <p:sldId id="275" r:id="rId3"/>
-    <p:sldId id="280" r:id="rId4"/>
-    <p:sldId id="276" r:id="rId5"/>
-    <p:sldId id="277" r:id="rId6"/>
-    <p:sldId id="278" r:id="rId7"/>
-    <p:sldId id="279" r:id="rId8"/>
-    <p:sldId id="274" r:id="rId9"/>
+    <p:sldId id="281" r:id="rId3"/>
+    <p:sldId id="275" r:id="rId4"/>
+    <p:sldId id="280" r:id="rId5"/>
+    <p:sldId id="282" r:id="rId6"/>
+    <p:sldId id="276" r:id="rId7"/>
+    <p:sldId id="277" r:id="rId8"/>
+    <p:sldId id="283" r:id="rId9"/>
+    <p:sldId id="278" r:id="rId10"/>
+    <p:sldId id="279" r:id="rId11"/>
+    <p:sldId id="284" r:id="rId12"/>
+    <p:sldId id="274" r:id="rId13"/>
   </p:sldIdLst>
   <p:sldSz cx="12192000" cy="6858000"/>
   <p:notesSz cx="6858000" cy="9144000"/>
@@ -548,7 +552,7 @@
           <a:p>
             <a:fld id="{A7DE893D-CE04-4AD8-B599-89F5B9665D5A}" type="slidenum">
               <a:rPr lang="en-IN" smtClean="0"/>
-              <a:t>3</a:t>
+              <a:t>4</a:t>
             </a:fld>
             <a:endParaRPr lang="en-IN"/>
           </a:p>
@@ -611,7 +615,15 @@
           <a:bodyPr/>
           <a:lstStyle/>
           <a:p>
-            <a:endParaRPr lang="en-IN" dirty="0"/>
+            <a:r>
+              <a:rPr lang="en-US" dirty="0" smtClean="0"/>
+              <a:t>Ruby is always pass </a:t>
+            </a:r>
+            <a:r>
+              <a:rPr lang="en-US" smtClean="0"/>
+              <a:t>by value.</a:t>
+            </a:r>
+            <a:endParaRPr lang="en-US"/>
           </a:p>
         </p:txBody>
       </p:sp>
@@ -632,7 +644,91 @@
           <a:p>
             <a:fld id="{A7DE893D-CE04-4AD8-B599-89F5B9665D5A}" type="slidenum">
               <a:rPr lang="en-IN" smtClean="0"/>
-              <a:t>8</a:t>
+              <a:t>6</a:t>
+            </a:fld>
+            <a:endParaRPr lang="en-IN"/>
+          </a:p>
+        </p:txBody>
+      </p:sp>
+    </p:spTree>
+    <p:extLst>
+      <p:ext uri="{BB962C8B-B14F-4D97-AF65-F5344CB8AC3E}">
+        <p14:creationId xmlns:p14="http://schemas.microsoft.com/office/powerpoint/2010/main" val="419818294"/>
+      </p:ext>
+    </p:extLst>
+  </p:cSld>
+  <p:clrMapOvr>
+    <a:masterClrMapping/>
+  </p:clrMapOvr>
+</p:notes>
+</file>
+
+<file path=ppt/notesSlides/notesSlide3.xml><?xml version="1.0" encoding="utf-8"?>
+<p:notes xmlns:a="http://schemas.openxmlformats.org/drawingml/2006/main" xmlns:r="http://schemas.openxmlformats.org/officeDocument/2006/relationships" xmlns:p="http://schemas.openxmlformats.org/presentationml/2006/main">
+  <p:cSld>
+    <p:spTree>
+      <p:nvGrpSpPr>
+        <p:cNvPr id="1" name=""/>
+        <p:cNvGrpSpPr/>
+        <p:nvPr/>
+      </p:nvGrpSpPr>
+      <p:grpSpPr>
+        <a:xfrm>
+          <a:off x="0" y="0"/>
+          <a:ext cx="0" cy="0"/>
+          <a:chOff x="0" y="0"/>
+          <a:chExt cx="0" cy="0"/>
+        </a:xfrm>
+      </p:grpSpPr>
+      <p:sp>
+        <p:nvSpPr>
+          <p:cNvPr id="2" name="Slide Image Placeholder 1"/>
+          <p:cNvSpPr>
+            <a:spLocks noGrp="1" noRot="1" noChangeAspect="1"/>
+          </p:cNvSpPr>
+          <p:nvPr>
+            <p:ph type="sldImg"/>
+          </p:nvPr>
+        </p:nvSpPr>
+        <p:spPr/>
+      </p:sp>
+      <p:sp>
+        <p:nvSpPr>
+          <p:cNvPr id="3" name="Notes Placeholder 2"/>
+          <p:cNvSpPr>
+            <a:spLocks noGrp="1"/>
+          </p:cNvSpPr>
+          <p:nvPr>
+            <p:ph type="body" idx="1"/>
+          </p:nvPr>
+        </p:nvSpPr>
+        <p:spPr/>
+        <p:txBody>
+          <a:bodyPr/>
+          <a:lstStyle/>
+          <a:p>
+            <a:endParaRPr lang="en-IN" dirty="0"/>
+          </a:p>
+        </p:txBody>
+      </p:sp>
+      <p:sp>
+        <p:nvSpPr>
+          <p:cNvPr id="4" name="Slide Number Placeholder 3"/>
+          <p:cNvSpPr>
+            <a:spLocks noGrp="1"/>
+          </p:cNvSpPr>
+          <p:nvPr>
+            <p:ph type="sldNum" sz="quarter" idx="10"/>
+          </p:nvPr>
+        </p:nvSpPr>
+        <p:spPr/>
+        <p:txBody>
+          <a:bodyPr/>
+          <a:lstStyle/>
+          <a:p>
+            <a:fld id="{A7DE893D-CE04-4AD8-B599-89F5B9665D5A}" type="slidenum">
+              <a:rPr lang="en-IN" smtClean="0"/>
+              <a:t>12</a:t>
             </a:fld>
             <a:endParaRPr lang="en-IN"/>
           </a:p>
@@ -4395,7 +4491,15 @@
           <a:p>
             <a:r>
               <a:rPr lang="en-IN" sz="2000" dirty="0" smtClean="0"/>
-              <a:t>Session 2 – Arrays and strings</a:t>
+              <a:t>Session 2 </a:t>
+            </a:r>
+            <a:r>
+              <a:rPr lang="en-IN" sz="2000" dirty="0"/>
+              <a:t>–strings, </a:t>
+            </a:r>
+            <a:r>
+              <a:rPr lang="en-IN" sz="2000" dirty="0" smtClean="0"/>
+              <a:t>Arrays and flow control</a:t>
             </a:r>
             <a:endParaRPr lang="en-IN" sz="2000" dirty="0"/>
           </a:p>
@@ -4405,6 +4509,249 @@
     <p:extLst>
       <p:ext uri="{BB962C8B-B14F-4D97-AF65-F5344CB8AC3E}">
         <p14:creationId xmlns:p14="http://schemas.microsoft.com/office/powerpoint/2010/main" val="3893604836"/>
+      </p:ext>
+    </p:extLst>
+  </p:cSld>
+  <p:clrMapOvr>
+    <a:masterClrMapping/>
+  </p:clrMapOvr>
+  <p:timing>
+    <p:tnLst>
+      <p:par>
+        <p:cTn id="1" dur="indefinite" restart="never" nodeType="tmRoot"/>
+      </p:par>
+    </p:tnLst>
+  </p:timing>
+</p:sld>
+</file>
+
+<file path=ppt/slides/slide10.xml><?xml version="1.0" encoding="utf-8"?>
+<p:sld xmlns:a="http://schemas.openxmlformats.org/drawingml/2006/main" xmlns:r="http://schemas.openxmlformats.org/officeDocument/2006/relationships" xmlns:p="http://schemas.openxmlformats.org/presentationml/2006/main">
+  <p:cSld>
+    <p:spTree>
+      <p:nvGrpSpPr>
+        <p:cNvPr id="1" name=""/>
+        <p:cNvGrpSpPr/>
+        <p:nvPr/>
+      </p:nvGrpSpPr>
+      <p:grpSpPr>
+        <a:xfrm>
+          <a:off x="0" y="0"/>
+          <a:ext cx="0" cy="0"/>
+          <a:chOff x="0" y="0"/>
+          <a:chExt cx="0" cy="0"/>
+        </a:xfrm>
+      </p:grpSpPr>
+      <p:sp>
+        <p:nvSpPr>
+          <p:cNvPr id="2" name="Title 1"/>
+          <p:cNvSpPr>
+            <a:spLocks noGrp="1"/>
+          </p:cNvSpPr>
+          <p:nvPr>
+            <p:ph type="title"/>
+          </p:nvPr>
+        </p:nvSpPr>
+        <p:spPr/>
+        <p:txBody>
+          <a:bodyPr/>
+          <a:lstStyle/>
+          <a:p>
+            <a:r>
+              <a:rPr lang="en-IN" dirty="0" smtClean="0"/>
+              <a:t>Matrix</a:t>
+            </a:r>
+            <a:endParaRPr lang="en-IN" dirty="0"/>
+          </a:p>
+        </p:txBody>
+      </p:sp>
+      <p:sp>
+        <p:nvSpPr>
+          <p:cNvPr id="3" name="Content Placeholder 2"/>
+          <p:cNvSpPr>
+            <a:spLocks noGrp="1"/>
+          </p:cNvSpPr>
+          <p:nvPr>
+            <p:ph idx="1"/>
+          </p:nvPr>
+        </p:nvSpPr>
+        <p:spPr/>
+        <p:txBody>
+          <a:bodyPr/>
+          <a:lstStyle/>
+          <a:p>
+            <a:r>
+              <a:rPr lang="en-IN" dirty="0" smtClean="0"/>
+              <a:t>Row Major Storage</a:t>
+            </a:r>
+            <a:endParaRPr lang="en-IN" dirty="0"/>
+          </a:p>
+        </p:txBody>
+      </p:sp>
+    </p:spTree>
+    <p:extLst>
+      <p:ext uri="{BB962C8B-B14F-4D97-AF65-F5344CB8AC3E}">
+        <p14:creationId xmlns:p14="http://schemas.microsoft.com/office/powerpoint/2010/main" val="4171406415"/>
+      </p:ext>
+    </p:extLst>
+  </p:cSld>
+  <p:clrMapOvr>
+    <a:masterClrMapping/>
+  </p:clrMapOvr>
+  <p:timing>
+    <p:tnLst>
+      <p:par>
+        <p:cTn id="1" dur="indefinite" restart="never" nodeType="tmRoot"/>
+      </p:par>
+    </p:tnLst>
+  </p:timing>
+</p:sld>
+</file>
+
+<file path=ppt/slides/slide11.xml><?xml version="1.0" encoding="utf-8"?>
+<p:sld xmlns:a="http://schemas.openxmlformats.org/drawingml/2006/main" xmlns:r="http://schemas.openxmlformats.org/officeDocument/2006/relationships" xmlns:p="http://schemas.openxmlformats.org/presentationml/2006/main">
+  <p:cSld>
+    <p:spTree>
+      <p:nvGrpSpPr>
+        <p:cNvPr id="1" name=""/>
+        <p:cNvGrpSpPr/>
+        <p:nvPr/>
+      </p:nvGrpSpPr>
+      <p:grpSpPr>
+        <a:xfrm>
+          <a:off x="0" y="0"/>
+          <a:ext cx="0" cy="0"/>
+          <a:chOff x="0" y="0"/>
+          <a:chExt cx="0" cy="0"/>
+        </a:xfrm>
+      </p:grpSpPr>
+      <p:sp>
+        <p:nvSpPr>
+          <p:cNvPr id="2" name="Title 1"/>
+          <p:cNvSpPr>
+            <a:spLocks noGrp="1"/>
+          </p:cNvSpPr>
+          <p:nvPr>
+            <p:ph type="title"/>
+          </p:nvPr>
+        </p:nvSpPr>
+        <p:spPr/>
+        <p:txBody>
+          <a:bodyPr/>
+          <a:lstStyle/>
+          <a:p>
+            <a:r>
+              <a:rPr lang="en-IN" dirty="0" smtClean="0"/>
+              <a:t>Methods or Functions</a:t>
+            </a:r>
+            <a:endParaRPr lang="en-IN" dirty="0"/>
+          </a:p>
+        </p:txBody>
+      </p:sp>
+      <p:sp>
+        <p:nvSpPr>
+          <p:cNvPr id="3" name="Content Placeholder 2"/>
+          <p:cNvSpPr>
+            <a:spLocks noGrp="1"/>
+          </p:cNvSpPr>
+          <p:nvPr>
+            <p:ph idx="1"/>
+          </p:nvPr>
+        </p:nvSpPr>
+        <p:spPr/>
+        <p:txBody>
+          <a:bodyPr/>
+          <a:lstStyle/>
+          <a:p>
+            <a:r>
+              <a:rPr lang="en-IN" dirty="0" smtClean="0"/>
+              <a:t>Purpose: Reduce </a:t>
+            </a:r>
+            <a:r>
+              <a:rPr lang="en-IN" smtClean="0"/>
+              <a:t>the duplication of Code</a:t>
+            </a:r>
+            <a:endParaRPr lang="en-IN"/>
+          </a:p>
+        </p:txBody>
+      </p:sp>
+    </p:spTree>
+    <p:extLst>
+      <p:ext uri="{BB962C8B-B14F-4D97-AF65-F5344CB8AC3E}">
+        <p14:creationId xmlns:p14="http://schemas.microsoft.com/office/powerpoint/2010/main" val="1350805563"/>
+      </p:ext>
+    </p:extLst>
+  </p:cSld>
+  <p:clrMapOvr>
+    <a:masterClrMapping/>
+  </p:clrMapOvr>
+</p:sld>
+</file>
+
+<file path=ppt/slides/slide12.xml><?xml version="1.0" encoding="utf-8"?>
+<p:sld xmlns:a="http://schemas.openxmlformats.org/drawingml/2006/main" xmlns:r="http://schemas.openxmlformats.org/officeDocument/2006/relationships" xmlns:p="http://schemas.openxmlformats.org/presentationml/2006/main">
+  <p:cSld>
+    <p:spTree>
+      <p:nvGrpSpPr>
+        <p:cNvPr id="1" name=""/>
+        <p:cNvGrpSpPr/>
+        <p:nvPr/>
+      </p:nvGrpSpPr>
+      <p:grpSpPr>
+        <a:xfrm>
+          <a:off x="0" y="0"/>
+          <a:ext cx="0" cy="0"/>
+          <a:chOff x="0" y="0"/>
+          <a:chExt cx="0" cy="0"/>
+        </a:xfrm>
+      </p:grpSpPr>
+      <p:sp>
+        <p:nvSpPr>
+          <p:cNvPr id="4" name="Title 3"/>
+          <p:cNvSpPr>
+            <a:spLocks noGrp="1"/>
+          </p:cNvSpPr>
+          <p:nvPr>
+            <p:ph type="title"/>
+          </p:nvPr>
+        </p:nvSpPr>
+        <p:spPr/>
+        <p:txBody>
+          <a:bodyPr/>
+          <a:lstStyle/>
+          <a:p>
+            <a:pPr algn="ctr"/>
+            <a:r>
+              <a:rPr lang="en-IN" dirty="0" smtClean="0"/>
+              <a:t>Thank You</a:t>
+            </a:r>
+            <a:endParaRPr lang="en-IN" dirty="0"/>
+          </a:p>
+        </p:txBody>
+      </p:sp>
+      <p:sp>
+        <p:nvSpPr>
+          <p:cNvPr id="5" name="Text Placeholder 4"/>
+          <p:cNvSpPr>
+            <a:spLocks noGrp="1"/>
+          </p:cNvSpPr>
+          <p:nvPr>
+            <p:ph type="body" idx="1"/>
+          </p:nvPr>
+        </p:nvSpPr>
+        <p:spPr/>
+        <p:txBody>
+          <a:bodyPr/>
+          <a:lstStyle/>
+          <a:p>
+            <a:endParaRPr lang="en-IN" dirty="0"/>
+          </a:p>
+        </p:txBody>
+      </p:sp>
+    </p:spTree>
+    <p:extLst>
+      <p:ext uri="{BB962C8B-B14F-4D97-AF65-F5344CB8AC3E}">
+        <p14:creationId xmlns:p14="http://schemas.microsoft.com/office/powerpoint/2010/main" val="49793655"/>
       </p:ext>
     </p:extLst>
   </p:cSld>
@@ -4454,10 +4801,10 @@
           <a:lstStyle/>
           <a:p>
             <a:r>
-              <a:rPr lang="en-IN" dirty="0" smtClean="0"/>
-              <a:t>Strings Basics</a:t>
-            </a:r>
-            <a:endParaRPr lang="en-IN" dirty="0"/>
+              <a:rPr lang="en-US" dirty="0" smtClean="0"/>
+              <a:t>Recap</a:t>
+            </a:r>
+            <a:endParaRPr lang="en-US" dirty="0"/>
           </a:p>
         </p:txBody>
       </p:sp>
@@ -4476,20 +4823,99 @@
           <a:bodyPr/>
           <a:lstStyle/>
           <a:p>
-            <a:endParaRPr lang="en-IN" dirty="0"/>
+            <a:pPr marL="457200" indent="-457200">
+              <a:buFont typeface="+mj-lt"/>
+              <a:buAutoNum type="arabicPeriod"/>
+            </a:pPr>
+            <a:r>
+              <a:rPr lang="en-US" dirty="0" smtClean="0"/>
+              <a:t>C++ is a Object oriented and Compiled language with weak typing. </a:t>
+            </a:r>
+          </a:p>
+          <a:p>
+            <a:pPr marL="457200" indent="-457200">
+              <a:buFont typeface="+mj-lt"/>
+              <a:buAutoNum type="arabicPeriod"/>
+            </a:pPr>
+            <a:r>
+              <a:rPr lang="en-US" dirty="0" err="1" smtClean="0"/>
+              <a:t>Clojure</a:t>
+            </a:r>
+            <a:r>
+              <a:rPr lang="en-US" dirty="0" smtClean="0"/>
+              <a:t> is a Functional language with Dynamic and strongly typed. It is JIT Compiled.</a:t>
+            </a:r>
+          </a:p>
+          <a:p>
+            <a:pPr marL="457200" indent="-457200">
+              <a:buFont typeface="+mj-lt"/>
+              <a:buAutoNum type="arabicPeriod"/>
+            </a:pPr>
+            <a:r>
+              <a:rPr lang="en-US" dirty="0" smtClean="0"/>
+              <a:t>What is a Data Type?</a:t>
+            </a:r>
+          </a:p>
+          <a:p>
+            <a:pPr marL="457200" indent="-457200">
+              <a:buFont typeface="+mj-lt"/>
+              <a:buAutoNum type="arabicPeriod"/>
+            </a:pPr>
+            <a:r>
+              <a:rPr lang="en-US" dirty="0" smtClean="0"/>
+              <a:t>How to get the type of a variable?</a:t>
+            </a:r>
+          </a:p>
+          <a:p>
+            <a:pPr marL="457200" indent="-457200">
+              <a:buFont typeface="+mj-lt"/>
+              <a:buAutoNum type="arabicPeriod"/>
+            </a:pPr>
+            <a:r>
+              <a:rPr lang="en-US" dirty="0" smtClean="0"/>
+              <a:t>How do you print to screen in Ruby?</a:t>
+            </a:r>
+          </a:p>
+          <a:p>
+            <a:pPr marL="457200" indent="-457200">
+              <a:buFont typeface="+mj-lt"/>
+              <a:buAutoNum type="arabicPeriod"/>
+            </a:pPr>
+            <a:r>
+              <a:rPr lang="en-US" dirty="0" smtClean="0"/>
+              <a:t>How does Combined comparison ( &lt;=&gt; ) operator works?</a:t>
+            </a:r>
+          </a:p>
+          <a:p>
+            <a:pPr marL="457200" indent="-457200">
+              <a:buFont typeface="+mj-lt"/>
+              <a:buAutoNum type="arabicPeriod"/>
+            </a:pPr>
+            <a:r>
+              <a:rPr lang="en-US" dirty="0" smtClean="0"/>
+              <a:t>What is string Interpolation?</a:t>
+            </a:r>
+            <a:endParaRPr lang="en-US" dirty="0"/>
           </a:p>
         </p:txBody>
       </p:sp>
     </p:spTree>
     <p:extLst>
       <p:ext uri="{BB962C8B-B14F-4D97-AF65-F5344CB8AC3E}">
-        <p14:creationId xmlns:p14="http://schemas.microsoft.com/office/powerpoint/2010/main" val="1958585057"/>
+        <p14:creationId xmlns:p14="http://schemas.microsoft.com/office/powerpoint/2010/main" val="3760733721"/>
       </p:ext>
     </p:extLst>
   </p:cSld>
   <p:clrMapOvr>
     <a:masterClrMapping/>
   </p:clrMapOvr>
+  <p:timing>
+    <p:tnLst>
+      <p:par>
+        <p:cTn id="1" dur="indefinite" restart="never" nodeType="tmRoot"/>
+      </p:par>
+    </p:tnLst>
+  </p:timing>
 </p:sld>
 </file>
 
@@ -4527,7 +4953,7 @@
           <a:p>
             <a:r>
               <a:rPr lang="en-IN" dirty="0" smtClean="0"/>
-              <a:t>Memory</a:t>
+              <a:t>Strings Basics</a:t>
             </a:r>
             <a:endParaRPr lang="en-IN" dirty="0"/>
           </a:p>
@@ -4545,91 +4971,19 @@
         </p:nvSpPr>
         <p:spPr/>
         <p:txBody>
-          <a:bodyPr>
-            <a:normAutofit lnSpcReduction="10000"/>
-          </a:bodyPr>
+          <a:bodyPr/>
           <a:lstStyle/>
           <a:p>
             <a:r>
               <a:rPr lang="en-IN" dirty="0" smtClean="0"/>
-              <a:t>2 Mechanisms to store data on computer – Memory(RAM) &amp; Storage(HDD, Flash, SSD) </a:t>
+              <a:t>Useful methods</a:t>
             </a:r>
           </a:p>
           <a:p>
             <a:r>
               <a:rPr lang="en-IN" dirty="0" smtClean="0"/>
-              <a:t>Main Difference – Data is permanent of Storage and volatile on RAM</a:t>
-            </a:r>
-          </a:p>
-          <a:p>
-            <a:pPr lvl="1"/>
-            <a:r>
-              <a:rPr lang="en-IN" dirty="0" smtClean="0"/>
-              <a:t>Some times if we don’t save we will loose the working data from RAM</a:t>
-            </a:r>
-          </a:p>
-          <a:p>
-            <a:pPr lvl="1"/>
-            <a:r>
-              <a:rPr lang="en-IN" dirty="0" smtClean="0"/>
-              <a:t>RAM is like a rough sheet (for temporary storage of computational results).</a:t>
-            </a:r>
-          </a:p>
-          <a:p>
-            <a:pPr lvl="1"/>
-            <a:r>
-              <a:rPr lang="en-IN" dirty="0" smtClean="0"/>
-              <a:t>Task Manager memory monitor</a:t>
-            </a:r>
-          </a:p>
-          <a:p>
-            <a:r>
-              <a:rPr lang="en-IN" dirty="0" smtClean="0"/>
-              <a:t>Why 2 why not entirely on Storage?</a:t>
-            </a:r>
-          </a:p>
-          <a:p>
-            <a:pPr lvl="1"/>
-            <a:r>
-              <a:rPr lang="en-IN" dirty="0" smtClean="0"/>
-              <a:t>Storage is Huge but very Slow &amp; cheaper where as RAM is fast but small &amp; Costlier</a:t>
-            </a:r>
-          </a:p>
-          <a:p>
-            <a:pPr lvl="1"/>
-            <a:r>
-              <a:rPr lang="en-IN" dirty="0" smtClean="0"/>
-              <a:t>Storage is like basement and RAM is like desk.</a:t>
-            </a:r>
-          </a:p>
-          <a:p>
-            <a:r>
-              <a:rPr lang="en-IN" dirty="0" smtClean="0"/>
-              <a:t>Combined work</a:t>
-            </a:r>
-          </a:p>
-          <a:p>
-            <a:pPr lvl="1"/>
-            <a:r>
-              <a:rPr lang="en-IN" dirty="0" smtClean="0"/>
-              <a:t>Apps are stored in Storage </a:t>
-            </a:r>
-          </a:p>
-          <a:p>
-            <a:pPr lvl="1"/>
-            <a:r>
-              <a:rPr lang="en-IN" dirty="0" smtClean="0"/>
-              <a:t>Loaded to Memory when usage</a:t>
-            </a:r>
-          </a:p>
-          <a:p>
-            <a:pPr lvl="1"/>
-            <a:r>
-              <a:rPr lang="en-IN" dirty="0" smtClean="0"/>
-              <a:t>Will run out of space when we try to open them all</a:t>
-            </a:r>
-          </a:p>
-          <a:p>
+              <a:t>Comparing Strings</a:t>
+            </a:r>
             <a:endParaRPr lang="en-IN" dirty="0"/>
           </a:p>
         </p:txBody>
@@ -4637,13 +4991,20 @@
     </p:spTree>
     <p:extLst>
       <p:ext uri="{BB962C8B-B14F-4D97-AF65-F5344CB8AC3E}">
-        <p14:creationId xmlns:p14="http://schemas.microsoft.com/office/powerpoint/2010/main" val="188209235"/>
+        <p14:creationId xmlns:p14="http://schemas.microsoft.com/office/powerpoint/2010/main" val="1958585057"/>
       </p:ext>
     </p:extLst>
   </p:cSld>
   <p:clrMapOvr>
     <a:masterClrMapping/>
   </p:clrMapOvr>
+  <p:timing>
+    <p:tnLst>
+      <p:par>
+        <p:cTn id="1" dur="indefinite" restart="never" nodeType="tmRoot"/>
+      </p:par>
+    </p:tnLst>
+  </p:timing>
 </p:sld>
 </file>
 
@@ -4681,7 +5042,7 @@
           <a:p>
             <a:r>
               <a:rPr lang="en-IN" dirty="0" smtClean="0"/>
-              <a:t>Array</a:t>
+              <a:t>Memory</a:t>
             </a:r>
             <a:endParaRPr lang="en-IN" dirty="0"/>
           </a:p>
@@ -4699,46 +5060,153 @@
         </p:nvSpPr>
         <p:spPr/>
         <p:txBody>
-          <a:bodyPr/>
+          <a:bodyPr>
+            <a:normAutofit lnSpcReduction="10000"/>
+          </a:bodyPr>
           <a:lstStyle/>
           <a:p>
             <a:r>
               <a:rPr lang="en-IN" dirty="0" smtClean="0"/>
-              <a:t>Lists or Vectors</a:t>
+              <a:t>2 Mechanisms to store data on computer – Memory(RAM) &amp; Storage(HDD, Flash, SSD) </a:t>
             </a:r>
           </a:p>
           <a:p>
             <a:r>
               <a:rPr lang="en-IN" dirty="0" smtClean="0"/>
-              <a:t>Series of values stored in memory continuously.</a:t>
-            </a:r>
-          </a:p>
-          <a:p>
+              <a:t>Main Difference – Data is permanent of Storage and volatile on RAM</a:t>
+            </a:r>
+          </a:p>
+          <a:p>
+            <a:pPr lvl="1"/>
             <a:r>
               <a:rPr lang="en-IN" dirty="0" smtClean="0"/>
-              <a:t>Ruby can have multiple Types in a </a:t>
-            </a:r>
-            <a:r>
-              <a:rPr lang="en-IN" smtClean="0"/>
-              <a:t>single array.</a:t>
-            </a:r>
-            <a:endParaRPr lang="en-IN" dirty="0" smtClean="0"/>
+              <a:t>Some times if we don’t save we will loose the working data from RAM</a:t>
+            </a:r>
+          </a:p>
+          <a:p>
+            <a:pPr lvl="1"/>
+            <a:r>
+              <a:rPr lang="en-IN" dirty="0" smtClean="0"/>
+              <a:t>RAM is like a rough sheet (for temporary storage of computational results).</a:t>
+            </a:r>
+          </a:p>
+          <a:p>
+            <a:pPr lvl="1"/>
+            <a:r>
+              <a:rPr lang="en-IN" dirty="0" smtClean="0"/>
+              <a:t>Task Manager memory monitor</a:t>
+            </a:r>
+          </a:p>
+          <a:p>
+            <a:r>
+              <a:rPr lang="en-IN" dirty="0" smtClean="0"/>
+              <a:t>Why 2 why not entirely on Storage?</a:t>
+            </a:r>
+          </a:p>
+          <a:p>
+            <a:pPr lvl="1"/>
+            <a:r>
+              <a:rPr lang="en-IN" dirty="0" smtClean="0"/>
+              <a:t>Storage is Huge but very Slow &amp; cheaper where as RAM is fast but small &amp; Costlier</a:t>
+            </a:r>
+          </a:p>
+          <a:p>
+            <a:pPr lvl="1"/>
+            <a:r>
+              <a:rPr lang="en-IN" dirty="0" smtClean="0"/>
+              <a:t>Storage is like basement and RAM is like desk.</a:t>
+            </a:r>
+          </a:p>
+          <a:p>
+            <a:r>
+              <a:rPr lang="en-IN" dirty="0" smtClean="0"/>
+              <a:t>Combined work</a:t>
+            </a:r>
+          </a:p>
+          <a:p>
+            <a:pPr lvl="1"/>
+            <a:r>
+              <a:rPr lang="en-IN" dirty="0" smtClean="0"/>
+              <a:t>Apps are stored in Storage </a:t>
+            </a:r>
+          </a:p>
+          <a:p>
+            <a:pPr lvl="1"/>
+            <a:r>
+              <a:rPr lang="en-IN" dirty="0" smtClean="0"/>
+              <a:t>Loaded to Memory when usage</a:t>
+            </a:r>
+          </a:p>
+          <a:p>
+            <a:pPr lvl="1"/>
+            <a:r>
+              <a:rPr lang="en-IN" dirty="0" smtClean="0"/>
+              <a:t>Will run out of space when we try to open them all</a:t>
+            </a:r>
           </a:p>
           <a:p>
             <a:endParaRPr lang="en-IN" dirty="0"/>
           </a:p>
         </p:txBody>
       </p:sp>
+      <p:pic>
+        <p:nvPicPr>
+          <p:cNvPr id="1026" name="Picture 2" descr="Image result for ram chip"/>
+          <p:cNvPicPr>
+            <a:picLocks noChangeAspect="1" noChangeArrowheads="1"/>
+          </p:cNvPicPr>
+          <p:nvPr/>
+        </p:nvPicPr>
+        <p:blipFill>
+          <a:blip r:embed="rId3">
+            <a:extLst>
+              <a:ext uri="{28A0092B-C50C-407E-A947-70E740481C1C}">
+                <a14:useLocalDpi xmlns:a14="http://schemas.microsoft.com/office/drawing/2010/main" val="0"/>
+              </a:ext>
+            </a:extLst>
+          </a:blip>
+          <a:srcRect/>
+          <a:stretch>
+            <a:fillRect/>
+          </a:stretch>
+        </p:blipFill>
+        <p:spPr bwMode="auto">
+          <a:xfrm>
+            <a:off x="9331473" y="2418943"/>
+            <a:ext cx="2640788" cy="2640789"/>
+          </a:xfrm>
+          <a:prstGeom prst="rect">
+            <a:avLst/>
+          </a:prstGeom>
+          <a:noFill/>
+          <a:extLst>
+            <a:ext uri="{909E8E84-426E-40DD-AFC4-6F175D3DCCD1}">
+              <a14:hiddenFill xmlns:a14="http://schemas.microsoft.com/office/drawing/2010/main">
+                <a:solidFill>
+                  <a:srgbClr val="FFFFFF"/>
+                </a:solidFill>
+              </a14:hiddenFill>
+            </a:ext>
+          </a:extLst>
+        </p:spPr>
+      </p:pic>
     </p:spTree>
     <p:extLst>
       <p:ext uri="{BB962C8B-B14F-4D97-AF65-F5344CB8AC3E}">
-        <p14:creationId xmlns:p14="http://schemas.microsoft.com/office/powerpoint/2010/main" val="1369581081"/>
+        <p14:creationId xmlns:p14="http://schemas.microsoft.com/office/powerpoint/2010/main" val="188209235"/>
       </p:ext>
     </p:extLst>
   </p:cSld>
   <p:clrMapOvr>
     <a:masterClrMapping/>
   </p:clrMapOvr>
+  <p:timing>
+    <p:tnLst>
+      <p:par>
+        <p:cTn id="1" dur="indefinite" restart="never" nodeType="tmRoot"/>
+      </p:par>
+    </p:tnLst>
+  </p:timing>
 </p:sld>
 </file>
 
@@ -4774,7 +5242,11 @@
           <a:bodyPr/>
           <a:lstStyle/>
           <a:p>
-            <a:endParaRPr lang="en-IN"/>
+            <a:r>
+              <a:rPr lang="en-US" dirty="0" smtClean="0"/>
+              <a:t>Memory Assignment</a:t>
+            </a:r>
+            <a:endParaRPr lang="en-US" dirty="0"/>
           </a:p>
         </p:txBody>
       </p:sp>
@@ -4790,11 +5262,745 @@
         </p:nvSpPr>
         <p:spPr/>
         <p:txBody>
-          <a:bodyPr>
-            <a:normAutofit/>
+          <a:bodyPr/>
+          <a:lstStyle/>
+          <a:p>
+            <a:r>
+              <a:rPr lang="en-US" dirty="0"/>
+              <a:t>a</a:t>
+            </a:r>
+            <a:r>
+              <a:rPr lang="en-US" dirty="0" smtClean="0"/>
+              <a:t> = 10</a:t>
+            </a:r>
+          </a:p>
+          <a:p>
+            <a:r>
+              <a:rPr lang="en-US" dirty="0" smtClean="0"/>
+              <a:t>b = true</a:t>
+            </a:r>
+          </a:p>
+          <a:p>
+            <a:endParaRPr lang="en-US" dirty="0"/>
+          </a:p>
+          <a:p>
+            <a:endParaRPr lang="en-US" dirty="0" smtClean="0"/>
+          </a:p>
+          <a:p>
+            <a:endParaRPr lang="en-US" dirty="0"/>
+          </a:p>
+          <a:p>
+            <a:r>
+              <a:rPr lang="en-US" dirty="0"/>
+              <a:t>a</a:t>
+            </a:r>
+            <a:r>
+              <a:rPr lang="en-US" dirty="0" smtClean="0"/>
+              <a:t>.object_id</a:t>
+            </a:r>
+          </a:p>
+        </p:txBody>
+      </p:sp>
+      <p:sp>
+        <p:nvSpPr>
+          <p:cNvPr id="4" name="Flowchart: Magnetic Disk 3"/>
+          <p:cNvSpPr/>
+          <p:nvPr/>
+        </p:nvSpPr>
+        <p:spPr>
+          <a:xfrm>
+            <a:off x="3647674" y="2913321"/>
+            <a:ext cx="1977656" cy="797442"/>
+          </a:xfrm>
+          <a:prstGeom prst="flowChartMagneticDisk">
+            <a:avLst/>
+          </a:prstGeom>
+        </p:spPr>
+        <p:style>
+          <a:lnRef idx="2">
+            <a:schemeClr val="accent1">
+              <a:shade val="50000"/>
+            </a:schemeClr>
+          </a:lnRef>
+          <a:fillRef idx="1">
+            <a:schemeClr val="accent1"/>
+          </a:fillRef>
+          <a:effectRef idx="0">
+            <a:schemeClr val="accent1"/>
+          </a:effectRef>
+          <a:fontRef idx="minor">
+            <a:schemeClr val="lt1"/>
+          </a:fontRef>
+        </p:style>
+        <p:txBody>
+          <a:bodyPr rtlCol="0" anchor="ctr"/>
+          <a:lstStyle/>
+          <a:p>
+            <a:pPr algn="ctr"/>
+            <a:r>
+              <a:rPr lang="en-US" dirty="0" smtClean="0"/>
+              <a:t>a -- 2000</a:t>
+            </a:r>
+          </a:p>
+        </p:txBody>
+      </p:sp>
+      <p:sp>
+        <p:nvSpPr>
+          <p:cNvPr id="5" name="Flowchart: Magnetic Disk 4"/>
+          <p:cNvSpPr/>
+          <p:nvPr/>
+        </p:nvSpPr>
+        <p:spPr>
+          <a:xfrm>
+            <a:off x="6414977" y="2913321"/>
+            <a:ext cx="1977656" cy="797442"/>
+          </a:xfrm>
+          <a:prstGeom prst="flowChartMagneticDisk">
+            <a:avLst/>
+          </a:prstGeom>
+        </p:spPr>
+        <p:style>
+          <a:lnRef idx="2">
+            <a:schemeClr val="accent1">
+              <a:shade val="50000"/>
+            </a:schemeClr>
+          </a:lnRef>
+          <a:fillRef idx="1">
+            <a:schemeClr val="accent1"/>
+          </a:fillRef>
+          <a:effectRef idx="0">
+            <a:schemeClr val="accent1"/>
+          </a:effectRef>
+          <a:fontRef idx="minor">
+            <a:schemeClr val="lt1"/>
+          </a:fontRef>
+        </p:style>
+        <p:txBody>
+          <a:bodyPr rtlCol="0" anchor="ctr"/>
+          <a:lstStyle/>
+          <a:p>
+            <a:pPr algn="ctr"/>
+            <a:r>
+              <a:rPr lang="en-US" dirty="0" smtClean="0"/>
+              <a:t>b -- 2008</a:t>
+            </a:r>
+            <a:endParaRPr lang="en-US" dirty="0"/>
+          </a:p>
+        </p:txBody>
+      </p:sp>
+      <p:sp>
+        <p:nvSpPr>
+          <p:cNvPr id="7" name="Explosion 1 6"/>
+          <p:cNvSpPr/>
+          <p:nvPr/>
+        </p:nvSpPr>
+        <p:spPr>
+          <a:xfrm>
+            <a:off x="2361134" y="3312042"/>
+            <a:ext cx="159489" cy="154172"/>
+          </a:xfrm>
+          <a:prstGeom prst="irregularSeal1">
+            <a:avLst/>
+          </a:prstGeom>
+        </p:spPr>
+        <p:style>
+          <a:lnRef idx="2">
+            <a:schemeClr val="accent1">
+              <a:shade val="50000"/>
+            </a:schemeClr>
+          </a:lnRef>
+          <a:fillRef idx="1">
+            <a:schemeClr val="accent1"/>
+          </a:fillRef>
+          <a:effectRef idx="0">
+            <a:schemeClr val="accent1"/>
+          </a:effectRef>
+          <a:fontRef idx="minor">
+            <a:schemeClr val="lt1"/>
+          </a:fontRef>
+        </p:style>
+        <p:txBody>
+          <a:bodyPr rtlCol="0" anchor="ctr"/>
+          <a:lstStyle/>
+          <a:p>
+            <a:pPr algn="ctr"/>
+            <a:endParaRPr lang="en-US"/>
+          </a:p>
+        </p:txBody>
+      </p:sp>
+      <p:sp>
+        <p:nvSpPr>
+          <p:cNvPr id="8" name="Explosion 1 7"/>
+          <p:cNvSpPr/>
+          <p:nvPr/>
+        </p:nvSpPr>
+        <p:spPr>
+          <a:xfrm>
+            <a:off x="2612772" y="3312042"/>
+            <a:ext cx="159489" cy="154172"/>
+          </a:xfrm>
+          <a:prstGeom prst="irregularSeal1">
+            <a:avLst/>
+          </a:prstGeom>
+        </p:spPr>
+        <p:style>
+          <a:lnRef idx="2">
+            <a:schemeClr val="accent1">
+              <a:shade val="50000"/>
+            </a:schemeClr>
+          </a:lnRef>
+          <a:fillRef idx="1">
+            <a:schemeClr val="accent1"/>
+          </a:fillRef>
+          <a:effectRef idx="0">
+            <a:schemeClr val="accent1"/>
+          </a:effectRef>
+          <a:fontRef idx="minor">
+            <a:schemeClr val="lt1"/>
+          </a:fontRef>
+        </p:style>
+        <p:txBody>
+          <a:bodyPr rtlCol="0" anchor="ctr"/>
+          <a:lstStyle/>
+          <a:p>
+            <a:pPr algn="ctr"/>
+            <a:endParaRPr lang="en-US"/>
+          </a:p>
+        </p:txBody>
+      </p:sp>
+      <p:sp>
+        <p:nvSpPr>
+          <p:cNvPr id="9" name="Explosion 1 8"/>
+          <p:cNvSpPr/>
+          <p:nvPr/>
+        </p:nvSpPr>
+        <p:spPr>
+          <a:xfrm>
+            <a:off x="2850234" y="3312042"/>
+            <a:ext cx="159489" cy="154172"/>
+          </a:xfrm>
+          <a:prstGeom prst="irregularSeal1">
+            <a:avLst/>
+          </a:prstGeom>
+        </p:spPr>
+        <p:style>
+          <a:lnRef idx="2">
+            <a:schemeClr val="accent1">
+              <a:shade val="50000"/>
+            </a:schemeClr>
+          </a:lnRef>
+          <a:fillRef idx="1">
+            <a:schemeClr val="accent1"/>
+          </a:fillRef>
+          <a:effectRef idx="0">
+            <a:schemeClr val="accent1"/>
+          </a:effectRef>
+          <a:fontRef idx="minor">
+            <a:schemeClr val="lt1"/>
+          </a:fontRef>
+        </p:style>
+        <p:txBody>
+          <a:bodyPr rtlCol="0" anchor="ctr"/>
+          <a:lstStyle/>
+          <a:p>
+            <a:pPr algn="ctr"/>
+            <a:endParaRPr lang="en-US"/>
+          </a:p>
+        </p:txBody>
+      </p:sp>
+      <p:sp>
+        <p:nvSpPr>
+          <p:cNvPr id="10" name="Explosion 1 9"/>
+          <p:cNvSpPr/>
+          <p:nvPr/>
+        </p:nvSpPr>
+        <p:spPr>
+          <a:xfrm>
+            <a:off x="3089465" y="3312042"/>
+            <a:ext cx="159489" cy="154172"/>
+          </a:xfrm>
+          <a:prstGeom prst="irregularSeal1">
+            <a:avLst/>
+          </a:prstGeom>
+        </p:spPr>
+        <p:style>
+          <a:lnRef idx="2">
+            <a:schemeClr val="accent1">
+              <a:shade val="50000"/>
+            </a:schemeClr>
+          </a:lnRef>
+          <a:fillRef idx="1">
+            <a:schemeClr val="accent1"/>
+          </a:fillRef>
+          <a:effectRef idx="0">
+            <a:schemeClr val="accent1"/>
+          </a:effectRef>
+          <a:fontRef idx="minor">
+            <a:schemeClr val="lt1"/>
+          </a:fontRef>
+        </p:style>
+        <p:txBody>
+          <a:bodyPr rtlCol="0" anchor="ctr"/>
+          <a:lstStyle/>
+          <a:p>
+            <a:pPr algn="ctr"/>
+            <a:endParaRPr lang="en-US"/>
+          </a:p>
+        </p:txBody>
+      </p:sp>
+      <p:sp>
+        <p:nvSpPr>
+          <p:cNvPr id="11" name="TextBox 10"/>
+          <p:cNvSpPr txBox="1"/>
+          <p:nvPr/>
+        </p:nvSpPr>
+        <p:spPr>
+          <a:xfrm>
+            <a:off x="4428461" y="2889547"/>
+            <a:ext cx="499730" cy="369332"/>
+          </a:xfrm>
+          <a:prstGeom prst="rect">
+            <a:avLst/>
+          </a:prstGeom>
+          <a:noFill/>
+        </p:spPr>
+        <p:txBody>
+          <a:bodyPr wrap="square" rtlCol="0">
+            <a:spAutoFit/>
           </a:bodyPr>
           <a:lstStyle/>
           <a:p>
+            <a:r>
+              <a:rPr lang="en-US" dirty="0" smtClean="0"/>
+              <a:t>10</a:t>
+            </a:r>
+            <a:endParaRPr lang="en-US" dirty="0"/>
+          </a:p>
+        </p:txBody>
+      </p:sp>
+      <p:sp>
+        <p:nvSpPr>
+          <p:cNvPr id="12" name="TextBox 11"/>
+          <p:cNvSpPr txBox="1"/>
+          <p:nvPr/>
+        </p:nvSpPr>
+        <p:spPr>
+          <a:xfrm>
+            <a:off x="7070651" y="2897671"/>
+            <a:ext cx="666308" cy="369332"/>
+          </a:xfrm>
+          <a:prstGeom prst="rect">
+            <a:avLst/>
+          </a:prstGeom>
+          <a:noFill/>
+        </p:spPr>
+        <p:txBody>
+          <a:bodyPr wrap="square" rtlCol="0">
+            <a:spAutoFit/>
+          </a:bodyPr>
+          <a:lstStyle/>
+          <a:p>
+            <a:r>
+              <a:rPr lang="en-US" dirty="0" smtClean="0"/>
+              <a:t>true</a:t>
+            </a:r>
+            <a:endParaRPr lang="en-US" dirty="0"/>
+          </a:p>
+        </p:txBody>
+      </p:sp>
+      <p:sp>
+        <p:nvSpPr>
+          <p:cNvPr id="13" name="Explosion 1 12"/>
+          <p:cNvSpPr/>
+          <p:nvPr/>
+        </p:nvSpPr>
+        <p:spPr>
+          <a:xfrm>
+            <a:off x="8796312" y="3312042"/>
+            <a:ext cx="159489" cy="154172"/>
+          </a:xfrm>
+          <a:prstGeom prst="irregularSeal1">
+            <a:avLst/>
+          </a:prstGeom>
+        </p:spPr>
+        <p:style>
+          <a:lnRef idx="2">
+            <a:schemeClr val="accent1">
+              <a:shade val="50000"/>
+            </a:schemeClr>
+          </a:lnRef>
+          <a:fillRef idx="1">
+            <a:schemeClr val="accent1"/>
+          </a:fillRef>
+          <a:effectRef idx="0">
+            <a:schemeClr val="accent1"/>
+          </a:effectRef>
+          <a:fontRef idx="minor">
+            <a:schemeClr val="lt1"/>
+          </a:fontRef>
+        </p:style>
+        <p:txBody>
+          <a:bodyPr rtlCol="0" anchor="ctr"/>
+          <a:lstStyle/>
+          <a:p>
+            <a:pPr algn="ctr"/>
+            <a:endParaRPr lang="en-US"/>
+          </a:p>
+        </p:txBody>
+      </p:sp>
+      <p:sp>
+        <p:nvSpPr>
+          <p:cNvPr id="14" name="Explosion 1 13"/>
+          <p:cNvSpPr/>
+          <p:nvPr/>
+        </p:nvSpPr>
+        <p:spPr>
+          <a:xfrm>
+            <a:off x="9047950" y="3312042"/>
+            <a:ext cx="159489" cy="154172"/>
+          </a:xfrm>
+          <a:prstGeom prst="irregularSeal1">
+            <a:avLst/>
+          </a:prstGeom>
+        </p:spPr>
+        <p:style>
+          <a:lnRef idx="2">
+            <a:schemeClr val="accent1">
+              <a:shade val="50000"/>
+            </a:schemeClr>
+          </a:lnRef>
+          <a:fillRef idx="1">
+            <a:schemeClr val="accent1"/>
+          </a:fillRef>
+          <a:effectRef idx="0">
+            <a:schemeClr val="accent1"/>
+          </a:effectRef>
+          <a:fontRef idx="minor">
+            <a:schemeClr val="lt1"/>
+          </a:fontRef>
+        </p:style>
+        <p:txBody>
+          <a:bodyPr rtlCol="0" anchor="ctr"/>
+          <a:lstStyle/>
+          <a:p>
+            <a:pPr algn="ctr"/>
+            <a:endParaRPr lang="en-US"/>
+          </a:p>
+        </p:txBody>
+      </p:sp>
+      <p:sp>
+        <p:nvSpPr>
+          <p:cNvPr id="15" name="Explosion 1 14"/>
+          <p:cNvSpPr/>
+          <p:nvPr/>
+        </p:nvSpPr>
+        <p:spPr>
+          <a:xfrm>
+            <a:off x="9285412" y="3312042"/>
+            <a:ext cx="159489" cy="154172"/>
+          </a:xfrm>
+          <a:prstGeom prst="irregularSeal1">
+            <a:avLst/>
+          </a:prstGeom>
+        </p:spPr>
+        <p:style>
+          <a:lnRef idx="2">
+            <a:schemeClr val="accent1">
+              <a:shade val="50000"/>
+            </a:schemeClr>
+          </a:lnRef>
+          <a:fillRef idx="1">
+            <a:schemeClr val="accent1"/>
+          </a:fillRef>
+          <a:effectRef idx="0">
+            <a:schemeClr val="accent1"/>
+          </a:effectRef>
+          <a:fontRef idx="minor">
+            <a:schemeClr val="lt1"/>
+          </a:fontRef>
+        </p:style>
+        <p:txBody>
+          <a:bodyPr rtlCol="0" anchor="ctr"/>
+          <a:lstStyle/>
+          <a:p>
+            <a:pPr algn="ctr"/>
+            <a:endParaRPr lang="en-US"/>
+          </a:p>
+        </p:txBody>
+      </p:sp>
+      <p:sp>
+        <p:nvSpPr>
+          <p:cNvPr id="16" name="Explosion 1 15"/>
+          <p:cNvSpPr/>
+          <p:nvPr/>
+        </p:nvSpPr>
+        <p:spPr>
+          <a:xfrm>
+            <a:off x="9524643" y="3312042"/>
+            <a:ext cx="159489" cy="154172"/>
+          </a:xfrm>
+          <a:prstGeom prst="irregularSeal1">
+            <a:avLst/>
+          </a:prstGeom>
+        </p:spPr>
+        <p:style>
+          <a:lnRef idx="2">
+            <a:schemeClr val="accent1">
+              <a:shade val="50000"/>
+            </a:schemeClr>
+          </a:lnRef>
+          <a:fillRef idx="1">
+            <a:schemeClr val="accent1"/>
+          </a:fillRef>
+          <a:effectRef idx="0">
+            <a:schemeClr val="accent1"/>
+          </a:effectRef>
+          <a:fontRef idx="minor">
+            <a:schemeClr val="lt1"/>
+          </a:fontRef>
+        </p:style>
+        <p:txBody>
+          <a:bodyPr rtlCol="0" anchor="ctr"/>
+          <a:lstStyle/>
+          <a:p>
+            <a:pPr algn="ctr"/>
+            <a:endParaRPr lang="en-US"/>
+          </a:p>
+        </p:txBody>
+      </p:sp>
+      <p:sp>
+        <p:nvSpPr>
+          <p:cNvPr id="17" name="Explosion 1 16"/>
+          <p:cNvSpPr/>
+          <p:nvPr/>
+        </p:nvSpPr>
+        <p:spPr>
+          <a:xfrm>
+            <a:off x="5848085" y="3312042"/>
+            <a:ext cx="159489" cy="154172"/>
+          </a:xfrm>
+          <a:prstGeom prst="irregularSeal1">
+            <a:avLst/>
+          </a:prstGeom>
+        </p:spPr>
+        <p:style>
+          <a:lnRef idx="2">
+            <a:schemeClr val="accent1">
+              <a:shade val="50000"/>
+            </a:schemeClr>
+          </a:lnRef>
+          <a:fillRef idx="1">
+            <a:schemeClr val="accent1"/>
+          </a:fillRef>
+          <a:effectRef idx="0">
+            <a:schemeClr val="accent1"/>
+          </a:effectRef>
+          <a:fontRef idx="minor">
+            <a:schemeClr val="lt1"/>
+          </a:fontRef>
+        </p:style>
+        <p:txBody>
+          <a:bodyPr rtlCol="0" anchor="ctr"/>
+          <a:lstStyle/>
+          <a:p>
+            <a:pPr algn="ctr"/>
+            <a:endParaRPr lang="en-US"/>
+          </a:p>
+        </p:txBody>
+      </p:sp>
+      <p:sp>
+        <p:nvSpPr>
+          <p:cNvPr id="18" name="Explosion 1 17"/>
+          <p:cNvSpPr/>
+          <p:nvPr/>
+        </p:nvSpPr>
+        <p:spPr>
+          <a:xfrm>
+            <a:off x="6099723" y="3312042"/>
+            <a:ext cx="159489" cy="154172"/>
+          </a:xfrm>
+          <a:prstGeom prst="irregularSeal1">
+            <a:avLst/>
+          </a:prstGeom>
+        </p:spPr>
+        <p:style>
+          <a:lnRef idx="2">
+            <a:schemeClr val="accent1">
+              <a:shade val="50000"/>
+            </a:schemeClr>
+          </a:lnRef>
+          <a:fillRef idx="1">
+            <a:schemeClr val="accent1"/>
+          </a:fillRef>
+          <a:effectRef idx="0">
+            <a:schemeClr val="accent1"/>
+          </a:effectRef>
+          <a:fontRef idx="minor">
+            <a:schemeClr val="lt1"/>
+          </a:fontRef>
+        </p:style>
+        <p:txBody>
+          <a:bodyPr rtlCol="0" anchor="ctr"/>
+          <a:lstStyle/>
+          <a:p>
+            <a:pPr algn="ctr"/>
+            <a:endParaRPr lang="en-US"/>
+          </a:p>
+        </p:txBody>
+      </p:sp>
+    </p:spTree>
+    <p:extLst>
+      <p:ext uri="{BB962C8B-B14F-4D97-AF65-F5344CB8AC3E}">
+        <p14:creationId xmlns:p14="http://schemas.microsoft.com/office/powerpoint/2010/main" val="960414008"/>
+      </p:ext>
+    </p:extLst>
+  </p:cSld>
+  <p:clrMapOvr>
+    <a:masterClrMapping/>
+  </p:clrMapOvr>
+  <p:timing>
+    <p:tnLst>
+      <p:par>
+        <p:cTn id="1" dur="indefinite" restart="never" nodeType="tmRoot"/>
+      </p:par>
+    </p:tnLst>
+  </p:timing>
+</p:sld>
+</file>
+
+<file path=ppt/slides/slide6.xml><?xml version="1.0" encoding="utf-8"?>
+<p:sld xmlns:a="http://schemas.openxmlformats.org/drawingml/2006/main" xmlns:r="http://schemas.openxmlformats.org/officeDocument/2006/relationships" xmlns:p="http://schemas.openxmlformats.org/presentationml/2006/main">
+  <p:cSld>
+    <p:spTree>
+      <p:nvGrpSpPr>
+        <p:cNvPr id="1" name=""/>
+        <p:cNvGrpSpPr/>
+        <p:nvPr/>
+      </p:nvGrpSpPr>
+      <p:grpSpPr>
+        <a:xfrm>
+          <a:off x="0" y="0"/>
+          <a:ext cx="0" cy="0"/>
+          <a:chOff x="0" y="0"/>
+          <a:chExt cx="0" cy="0"/>
+        </a:xfrm>
+      </p:grpSpPr>
+      <p:sp>
+        <p:nvSpPr>
+          <p:cNvPr id="2" name="Title 1"/>
+          <p:cNvSpPr>
+            <a:spLocks noGrp="1"/>
+          </p:cNvSpPr>
+          <p:nvPr>
+            <p:ph type="title"/>
+          </p:nvPr>
+        </p:nvSpPr>
+        <p:spPr/>
+        <p:txBody>
+          <a:bodyPr/>
+          <a:lstStyle/>
+          <a:p>
+            <a:r>
+              <a:rPr lang="en-IN" dirty="0" smtClean="0"/>
+              <a:t>Array</a:t>
+            </a:r>
+            <a:endParaRPr lang="en-IN" dirty="0"/>
+          </a:p>
+        </p:txBody>
+      </p:sp>
+      <p:sp>
+        <p:nvSpPr>
+          <p:cNvPr id="3" name="Content Placeholder 2"/>
+          <p:cNvSpPr>
+            <a:spLocks noGrp="1"/>
+          </p:cNvSpPr>
+          <p:nvPr>
+            <p:ph idx="1"/>
+          </p:nvPr>
+        </p:nvSpPr>
+        <p:spPr/>
+        <p:txBody>
+          <a:bodyPr/>
+          <a:lstStyle/>
+          <a:p>
+            <a:r>
+              <a:rPr lang="en-IN" dirty="0" smtClean="0"/>
+              <a:t>Lists or Vectors</a:t>
+            </a:r>
+          </a:p>
+          <a:p>
+            <a:r>
+              <a:rPr lang="en-IN" dirty="0" smtClean="0"/>
+              <a:t>Series of values stored in memory continuously.</a:t>
+            </a:r>
+          </a:p>
+          <a:p>
+            <a:r>
+              <a:rPr lang="en-IN" dirty="0" smtClean="0"/>
+              <a:t>Ruby can have multiple Types in a single array.</a:t>
+            </a:r>
+          </a:p>
+          <a:p>
+            <a:endParaRPr lang="en-IN" dirty="0"/>
+          </a:p>
+        </p:txBody>
+      </p:sp>
+    </p:spTree>
+    <p:extLst>
+      <p:ext uri="{BB962C8B-B14F-4D97-AF65-F5344CB8AC3E}">
+        <p14:creationId xmlns:p14="http://schemas.microsoft.com/office/powerpoint/2010/main" val="1369581081"/>
+      </p:ext>
+    </p:extLst>
+  </p:cSld>
+  <p:clrMapOvr>
+    <a:masterClrMapping/>
+  </p:clrMapOvr>
+  <p:timing>
+    <p:tnLst>
+      <p:par>
+        <p:cTn id="1" dur="indefinite" restart="never" nodeType="tmRoot"/>
+      </p:par>
+    </p:tnLst>
+  </p:timing>
+</p:sld>
+</file>
+
+<file path=ppt/slides/slide7.xml><?xml version="1.0" encoding="utf-8"?>
+<p:sld xmlns:a="http://schemas.openxmlformats.org/drawingml/2006/main" xmlns:r="http://schemas.openxmlformats.org/officeDocument/2006/relationships" xmlns:p="http://schemas.openxmlformats.org/presentationml/2006/main">
+  <p:cSld>
+    <p:spTree>
+      <p:nvGrpSpPr>
+        <p:cNvPr id="1" name=""/>
+        <p:cNvGrpSpPr/>
+        <p:nvPr/>
+      </p:nvGrpSpPr>
+      <p:grpSpPr>
+        <a:xfrm>
+          <a:off x="0" y="0"/>
+          <a:ext cx="0" cy="0"/>
+          <a:chOff x="0" y="0"/>
+          <a:chExt cx="0" cy="0"/>
+        </a:xfrm>
+      </p:grpSpPr>
+      <p:sp>
+        <p:nvSpPr>
+          <p:cNvPr id="2" name="Title 1"/>
+          <p:cNvSpPr>
+            <a:spLocks noGrp="1"/>
+          </p:cNvSpPr>
+          <p:nvPr>
+            <p:ph type="title"/>
+          </p:nvPr>
+        </p:nvSpPr>
+        <p:spPr/>
+        <p:txBody>
+          <a:bodyPr/>
+          <a:lstStyle/>
+          <a:p>
+            <a:r>
+              <a:rPr lang="en-IN" dirty="0" smtClean="0"/>
+              <a:t>Array Memory Layout</a:t>
+            </a:r>
             <a:endParaRPr lang="en-IN" dirty="0"/>
           </a:p>
         </p:txBody>
@@ -5000,7 +6206,7 @@
                     <a:lstStyle/>
                     <a:p>
                       <a:r>
-                        <a:rPr lang="en-IN" dirty="0" err="1" smtClean="0"/>
+                        <a:rPr lang="en-IN" dirty="0" smtClean="0"/>
                         <a:t>Kotlin</a:t>
                       </a:r>
                       <a:endParaRPr lang="en-IN" dirty="0"/>
@@ -5035,7 +6241,7 @@
                     <a:lstStyle/>
                     <a:p>
                       <a:r>
-                        <a:rPr lang="en-IN" dirty="0" err="1" smtClean="0"/>
+                        <a:rPr lang="en-IN" dirty="0" smtClean="0"/>
                         <a:t>Lua</a:t>
                       </a:r>
                       <a:endParaRPr lang="en-IN" dirty="0"/>
@@ -5252,10 +6458,17 @@
   <p:clrMapOvr>
     <a:masterClrMapping/>
   </p:clrMapOvr>
+  <p:timing>
+    <p:tnLst>
+      <p:par>
+        <p:cTn id="1" dur="indefinite" restart="never" nodeType="tmRoot"/>
+      </p:par>
+    </p:tnLst>
+  </p:timing>
 </p:sld>
 </file>
 
-<file path=ppt/slides/slide6.xml><?xml version="1.0" encoding="utf-8"?>
+<file path=ppt/slides/slide8.xml><?xml version="1.0" encoding="utf-8"?>
 <p:sld xmlns:a="http://schemas.openxmlformats.org/drawingml/2006/main" xmlns:r="http://schemas.openxmlformats.org/officeDocument/2006/relationships" xmlns:p="http://schemas.openxmlformats.org/presentationml/2006/main">
   <p:cSld>
     <p:spTree>
@@ -5289,6 +6502,563 @@
           <a:p>
             <a:r>
               <a:rPr lang="en-IN" dirty="0" smtClean="0"/>
+              <a:t>Indexing of Arrays</a:t>
+            </a:r>
+            <a:endParaRPr lang="en-IN" dirty="0"/>
+          </a:p>
+        </p:txBody>
+      </p:sp>
+      <p:graphicFrame>
+        <p:nvGraphicFramePr>
+          <p:cNvPr id="6" name="Content Placeholder 5"/>
+          <p:cNvGraphicFramePr>
+            <a:graphicFrameLocks noGrp="1"/>
+          </p:cNvGraphicFramePr>
+          <p:nvPr>
+            <p:ph idx="1"/>
+            <p:extLst>
+              <p:ext uri="{D42A27DB-BD31-4B8C-83A1-F6EECF244321}">
+                <p14:modId xmlns:p14="http://schemas.microsoft.com/office/powerpoint/2010/main" val="3013669032"/>
+              </p:ext>
+            </p:extLst>
+          </p:nvPr>
+        </p:nvGraphicFramePr>
+        <p:xfrm>
+          <a:off x="1096963" y="1846263"/>
+          <a:ext cx="10058400" cy="1483360"/>
+        </p:xfrm>
+        <a:graphic>
+          <a:graphicData uri="http://schemas.openxmlformats.org/drawingml/2006/table">
+            <a:tbl>
+              <a:tblPr firstRow="1" bandRow="1">
+                <a:tableStyleId>{5C22544A-7EE6-4342-B048-85BDC9FD1C3A}</a:tableStyleId>
+              </a:tblPr>
+              <a:tblGrid>
+                <a:gridCol w="2011680">
+                  <a:extLst>
+                    <a:ext uri="{9D8B030D-6E8A-4147-A177-3AD203B41FA5}">
+                      <a16:colId xmlns:a16="http://schemas.microsoft.com/office/drawing/2014/main" val="96868941"/>
+                    </a:ext>
+                  </a:extLst>
+                </a:gridCol>
+                <a:gridCol w="2011680">
+                  <a:extLst>
+                    <a:ext uri="{9D8B030D-6E8A-4147-A177-3AD203B41FA5}">
+                      <a16:colId xmlns:a16="http://schemas.microsoft.com/office/drawing/2014/main" val="4145380490"/>
+                    </a:ext>
+                  </a:extLst>
+                </a:gridCol>
+                <a:gridCol w="2011680">
+                  <a:extLst>
+                    <a:ext uri="{9D8B030D-6E8A-4147-A177-3AD203B41FA5}">
+                      <a16:colId xmlns:a16="http://schemas.microsoft.com/office/drawing/2014/main" val="1141971302"/>
+                    </a:ext>
+                  </a:extLst>
+                </a:gridCol>
+                <a:gridCol w="2011680">
+                  <a:extLst>
+                    <a:ext uri="{9D8B030D-6E8A-4147-A177-3AD203B41FA5}">
+                      <a16:colId xmlns:a16="http://schemas.microsoft.com/office/drawing/2014/main" val="3759290622"/>
+                    </a:ext>
+                  </a:extLst>
+                </a:gridCol>
+                <a:gridCol w="2011680">
+                  <a:extLst>
+                    <a:ext uri="{9D8B030D-6E8A-4147-A177-3AD203B41FA5}">
+                      <a16:colId xmlns:a16="http://schemas.microsoft.com/office/drawing/2014/main" val="1247140335"/>
+                    </a:ext>
+                  </a:extLst>
+                </a:gridCol>
+              </a:tblGrid>
+              <a:tr h="370840">
+                <a:tc gridSpan="5">
+                  <a:txBody>
+                    <a:bodyPr/>
+                    <a:lstStyle/>
+                    <a:p>
+                      <a:pPr algn="ctr"/>
+                      <a:r>
+                        <a:rPr lang="en-IN" dirty="0" smtClean="0"/>
+                        <a:t>Indexing</a:t>
+                      </a:r>
+                      <a:endParaRPr lang="en-IN" dirty="0"/>
+                    </a:p>
+                  </a:txBody>
+                  <a:tcPr/>
+                </a:tc>
+                <a:tc hMerge="1">
+                  <a:txBody>
+                    <a:bodyPr/>
+                    <a:lstStyle/>
+                    <a:p>
+                      <a:endParaRPr lang="en-IN"/>
+                    </a:p>
+                  </a:txBody>
+                  <a:tcPr/>
+                </a:tc>
+                <a:tc hMerge="1">
+                  <a:txBody>
+                    <a:bodyPr/>
+                    <a:lstStyle/>
+                    <a:p>
+                      <a:endParaRPr lang="en-IN"/>
+                    </a:p>
+                  </a:txBody>
+                  <a:tcPr/>
+                </a:tc>
+                <a:tc hMerge="1">
+                  <a:txBody>
+                    <a:bodyPr/>
+                    <a:lstStyle/>
+                    <a:p>
+                      <a:endParaRPr lang="en-IN"/>
+                    </a:p>
+                  </a:txBody>
+                  <a:tcPr/>
+                </a:tc>
+                <a:tc hMerge="1">
+                  <a:txBody>
+                    <a:bodyPr/>
+                    <a:lstStyle/>
+                    <a:p>
+                      <a:endParaRPr lang="en-IN" dirty="0"/>
+                    </a:p>
+                  </a:txBody>
+                  <a:tcPr/>
+                </a:tc>
+                <a:extLst>
+                  <a:ext uri="{0D108BD9-81ED-4DB2-BD59-A6C34878D82A}">
+                    <a16:rowId xmlns:a16="http://schemas.microsoft.com/office/drawing/2014/main" val="2668549427"/>
+                  </a:ext>
+                </a:extLst>
+              </a:tr>
+              <a:tr h="370840">
+                <a:tc>
+                  <a:txBody>
+                    <a:bodyPr/>
+                    <a:lstStyle/>
+                    <a:p>
+                      <a:r>
+                        <a:rPr lang="en-IN" dirty="0" smtClean="0"/>
+                        <a:t>0</a:t>
+                      </a:r>
+                      <a:endParaRPr lang="en-IN" dirty="0"/>
+                    </a:p>
+                  </a:txBody>
+                  <a:tcPr/>
+                </a:tc>
+                <a:tc>
+                  <a:txBody>
+                    <a:bodyPr/>
+                    <a:lstStyle/>
+                    <a:p>
+                      <a:r>
+                        <a:rPr lang="en-IN" dirty="0" smtClean="0"/>
+                        <a:t>1</a:t>
+                      </a:r>
+                      <a:endParaRPr lang="en-IN" dirty="0"/>
+                    </a:p>
+                  </a:txBody>
+                  <a:tcPr/>
+                </a:tc>
+                <a:tc>
+                  <a:txBody>
+                    <a:bodyPr/>
+                    <a:lstStyle/>
+                    <a:p>
+                      <a:r>
+                        <a:rPr lang="en-IN" dirty="0" smtClean="0"/>
+                        <a:t>2</a:t>
+                      </a:r>
+                      <a:endParaRPr lang="en-IN" dirty="0"/>
+                    </a:p>
+                  </a:txBody>
+                  <a:tcPr/>
+                </a:tc>
+                <a:tc>
+                  <a:txBody>
+                    <a:bodyPr/>
+                    <a:lstStyle/>
+                    <a:p>
+                      <a:r>
+                        <a:rPr lang="en-IN" dirty="0" smtClean="0"/>
+                        <a:t>3</a:t>
+                      </a:r>
+                      <a:endParaRPr lang="en-IN" dirty="0"/>
+                    </a:p>
+                  </a:txBody>
+                  <a:tcPr/>
+                </a:tc>
+                <a:tc>
+                  <a:txBody>
+                    <a:bodyPr/>
+                    <a:lstStyle/>
+                    <a:p>
+                      <a:r>
+                        <a:rPr lang="en-IN" dirty="0" smtClean="0"/>
+                        <a:t>4</a:t>
+                      </a:r>
+                      <a:endParaRPr lang="en-IN" dirty="0"/>
+                    </a:p>
+                  </a:txBody>
+                  <a:tcPr/>
+                </a:tc>
+                <a:extLst>
+                  <a:ext uri="{0D108BD9-81ED-4DB2-BD59-A6C34878D82A}">
+                    <a16:rowId xmlns:a16="http://schemas.microsoft.com/office/drawing/2014/main" val="276654284"/>
+                  </a:ext>
+                </a:extLst>
+              </a:tr>
+              <a:tr h="370840">
+                <a:tc>
+                  <a:txBody>
+                    <a:bodyPr/>
+                    <a:lstStyle/>
+                    <a:p>
+                      <a:r>
+                        <a:rPr lang="en-IN" dirty="0" smtClean="0"/>
+                        <a:t>Ruby</a:t>
+                      </a:r>
+                      <a:endParaRPr lang="en-IN" dirty="0"/>
+                    </a:p>
+                  </a:txBody>
+                  <a:tcPr/>
+                </a:tc>
+                <a:tc>
+                  <a:txBody>
+                    <a:bodyPr/>
+                    <a:lstStyle/>
+                    <a:p>
+                      <a:r>
+                        <a:rPr lang="en-IN" dirty="0" smtClean="0"/>
+                        <a:t>Java</a:t>
+                      </a:r>
+                      <a:endParaRPr lang="en-IN" dirty="0"/>
+                    </a:p>
+                  </a:txBody>
+                  <a:tcPr/>
+                </a:tc>
+                <a:tc>
+                  <a:txBody>
+                    <a:bodyPr/>
+                    <a:lstStyle/>
+                    <a:p>
+                      <a:r>
+                        <a:rPr lang="en-IN" dirty="0" smtClean="0"/>
+                        <a:t>Kotlin</a:t>
+                      </a:r>
+                      <a:endParaRPr lang="en-IN" dirty="0"/>
+                    </a:p>
+                  </a:txBody>
+                  <a:tcPr/>
+                </a:tc>
+                <a:tc>
+                  <a:txBody>
+                    <a:bodyPr/>
+                    <a:lstStyle/>
+                    <a:p>
+                      <a:r>
+                        <a:rPr lang="en-IN" dirty="0" smtClean="0"/>
+                        <a:t>Lua</a:t>
+                      </a:r>
+                      <a:endParaRPr lang="en-IN" dirty="0"/>
+                    </a:p>
+                  </a:txBody>
+                  <a:tcPr/>
+                </a:tc>
+                <a:tc>
+                  <a:txBody>
+                    <a:bodyPr/>
+                    <a:lstStyle/>
+                    <a:p>
+                      <a:r>
+                        <a:rPr lang="en-IN" dirty="0" smtClean="0"/>
+                        <a:t>Perl</a:t>
+                      </a:r>
+                      <a:endParaRPr lang="en-IN" dirty="0"/>
+                    </a:p>
+                  </a:txBody>
+                  <a:tcPr/>
+                </a:tc>
+                <a:extLst>
+                  <a:ext uri="{0D108BD9-81ED-4DB2-BD59-A6C34878D82A}">
+                    <a16:rowId xmlns:a16="http://schemas.microsoft.com/office/drawing/2014/main" val="2577342366"/>
+                  </a:ext>
+                </a:extLst>
+              </a:tr>
+              <a:tr h="370840">
+                <a:tc>
+                  <a:txBody>
+                    <a:bodyPr/>
+                    <a:lstStyle/>
+                    <a:p>
+                      <a:r>
+                        <a:rPr lang="en-IN" dirty="0" smtClean="0"/>
+                        <a:t>-5</a:t>
+                      </a:r>
+                      <a:endParaRPr lang="en-IN" dirty="0"/>
+                    </a:p>
+                  </a:txBody>
+                  <a:tcPr/>
+                </a:tc>
+                <a:tc>
+                  <a:txBody>
+                    <a:bodyPr/>
+                    <a:lstStyle/>
+                    <a:p>
+                      <a:r>
+                        <a:rPr lang="en-IN" dirty="0" smtClean="0"/>
+                        <a:t>-4</a:t>
+                      </a:r>
+                      <a:endParaRPr lang="en-IN" dirty="0"/>
+                    </a:p>
+                  </a:txBody>
+                  <a:tcPr/>
+                </a:tc>
+                <a:tc>
+                  <a:txBody>
+                    <a:bodyPr/>
+                    <a:lstStyle/>
+                    <a:p>
+                      <a:r>
+                        <a:rPr lang="en-IN" dirty="0" smtClean="0"/>
+                        <a:t>-3</a:t>
+                      </a:r>
+                      <a:endParaRPr lang="en-IN" dirty="0"/>
+                    </a:p>
+                  </a:txBody>
+                  <a:tcPr/>
+                </a:tc>
+                <a:tc>
+                  <a:txBody>
+                    <a:bodyPr/>
+                    <a:lstStyle/>
+                    <a:p>
+                      <a:r>
+                        <a:rPr lang="en-IN" dirty="0" smtClean="0"/>
+                        <a:t>-2</a:t>
+                      </a:r>
+                      <a:endParaRPr lang="en-IN" dirty="0"/>
+                    </a:p>
+                  </a:txBody>
+                  <a:tcPr/>
+                </a:tc>
+                <a:tc>
+                  <a:txBody>
+                    <a:bodyPr/>
+                    <a:lstStyle/>
+                    <a:p>
+                      <a:r>
+                        <a:rPr lang="en-IN" dirty="0" smtClean="0"/>
+                        <a:t>-1</a:t>
+                      </a:r>
+                      <a:endParaRPr lang="en-IN" dirty="0"/>
+                    </a:p>
+                  </a:txBody>
+                  <a:tcPr/>
+                </a:tc>
+                <a:extLst>
+                  <a:ext uri="{0D108BD9-81ED-4DB2-BD59-A6C34878D82A}">
+                    <a16:rowId xmlns:a16="http://schemas.microsoft.com/office/drawing/2014/main" val="2954042233"/>
+                  </a:ext>
+                </a:extLst>
+              </a:tr>
+            </a:tbl>
+          </a:graphicData>
+        </a:graphic>
+      </p:graphicFrame>
+      <p:sp>
+        <p:nvSpPr>
+          <p:cNvPr id="7" name="TextBox 6"/>
+          <p:cNvSpPr txBox="1"/>
+          <p:nvPr/>
+        </p:nvSpPr>
+        <p:spPr>
+          <a:xfrm>
+            <a:off x="1096963" y="3438526"/>
+            <a:ext cx="9353323" cy="3293209"/>
+          </a:xfrm>
+          <a:prstGeom prst="rect">
+            <a:avLst/>
+          </a:prstGeom>
+          <a:noFill/>
+        </p:spPr>
+        <p:txBody>
+          <a:bodyPr wrap="square" rtlCol="0">
+            <a:spAutoFit/>
+          </a:bodyPr>
+          <a:lstStyle/>
+          <a:p>
+            <a:r>
+              <a:rPr lang="en-IN" dirty="0" smtClean="0"/>
+              <a:t>names[1] = Java</a:t>
+            </a:r>
+          </a:p>
+          <a:p>
+            <a:r>
+              <a:rPr lang="en-IN" dirty="0"/>
+              <a:t>n</a:t>
+            </a:r>
+            <a:r>
+              <a:rPr lang="en-IN" dirty="0" smtClean="0"/>
+              <a:t>ames[-3] = Kotlin </a:t>
+            </a:r>
+          </a:p>
+          <a:p>
+            <a:endParaRPr lang="en-IN" dirty="0" smtClean="0"/>
+          </a:p>
+          <a:p>
+            <a:r>
+              <a:rPr lang="en-IN" b="1" u="sng" dirty="0" smtClean="0"/>
+              <a:t>SLICING </a:t>
+            </a:r>
+          </a:p>
+          <a:p>
+            <a:r>
+              <a:rPr lang="en-IN" dirty="0" smtClean="0"/>
+              <a:t>[start</a:t>
+            </a:r>
+            <a:r>
+              <a:rPr lang="en-IN" sz="2800" b="1" dirty="0" smtClean="0"/>
+              <a:t>..</a:t>
+            </a:r>
+            <a:r>
+              <a:rPr lang="en-IN" dirty="0" smtClean="0"/>
+              <a:t>end(inclusive)]        [start</a:t>
+            </a:r>
+            <a:r>
+              <a:rPr lang="en-IN" sz="2800" b="1" dirty="0" smtClean="0"/>
+              <a:t>…</a:t>
+            </a:r>
+            <a:r>
+              <a:rPr lang="en-IN" dirty="0" smtClean="0"/>
+              <a:t>end(exclusive)]         slice(index)         slice(start, end)</a:t>
+            </a:r>
+            <a:endParaRPr lang="en-IN" b="1" u="sng" dirty="0"/>
+          </a:p>
+          <a:p>
+            <a:r>
+              <a:rPr lang="en-IN" dirty="0" smtClean="0"/>
+              <a:t>names[1..4] = [Java, Kotlin, Lua, Perl]</a:t>
+            </a:r>
+          </a:p>
+          <a:p>
+            <a:r>
+              <a:rPr lang="en-IN" dirty="0"/>
+              <a:t>names</a:t>
+            </a:r>
+            <a:r>
+              <a:rPr lang="en-IN" dirty="0" smtClean="0"/>
+              <a:t>[-5..-3] </a:t>
+            </a:r>
+            <a:r>
+              <a:rPr lang="en-IN" dirty="0"/>
+              <a:t>= </a:t>
+            </a:r>
+            <a:r>
+              <a:rPr lang="en-IN" dirty="0" smtClean="0"/>
+              <a:t>[Ruby, Java</a:t>
+            </a:r>
+            <a:r>
+              <a:rPr lang="en-IN" dirty="0"/>
+              <a:t>, </a:t>
+            </a:r>
+            <a:r>
+              <a:rPr lang="en-IN" dirty="0" smtClean="0"/>
+              <a:t>Kotlin]</a:t>
+            </a:r>
+          </a:p>
+          <a:p>
+            <a:r>
+              <a:rPr lang="en-IN" dirty="0" smtClean="0"/>
+              <a:t>names[3…-1] </a:t>
+            </a:r>
+            <a:r>
+              <a:rPr lang="en-IN" dirty="0"/>
+              <a:t>= </a:t>
+            </a:r>
+            <a:r>
+              <a:rPr lang="en-IN" dirty="0" smtClean="0"/>
+              <a:t>[Lua]</a:t>
+            </a:r>
+          </a:p>
+          <a:p>
+            <a:r>
+              <a:rPr lang="en-IN" dirty="0" smtClean="0"/>
+              <a:t>names[3..-4] </a:t>
+            </a:r>
+            <a:r>
+              <a:rPr lang="en-IN" dirty="0"/>
+              <a:t>= </a:t>
+            </a:r>
+            <a:r>
+              <a:rPr lang="en-IN" dirty="0" smtClean="0"/>
+              <a:t>[]</a:t>
+            </a:r>
+            <a:endParaRPr lang="en-IN" dirty="0"/>
+          </a:p>
+          <a:p>
+            <a:endParaRPr lang="en-IN" dirty="0"/>
+          </a:p>
+          <a:p>
+            <a:endParaRPr lang="en-IN" dirty="0"/>
+          </a:p>
+        </p:txBody>
+      </p:sp>
+    </p:spTree>
+    <p:extLst>
+      <p:ext uri="{BB962C8B-B14F-4D97-AF65-F5344CB8AC3E}">
+        <p14:creationId xmlns:p14="http://schemas.microsoft.com/office/powerpoint/2010/main" val="3929720916"/>
+      </p:ext>
+    </p:extLst>
+  </p:cSld>
+  <p:clrMapOvr>
+    <a:masterClrMapping/>
+  </p:clrMapOvr>
+  <p:timing>
+    <p:tnLst>
+      <p:par>
+        <p:cTn id="1" dur="indefinite" restart="never" nodeType="tmRoot"/>
+      </p:par>
+    </p:tnLst>
+  </p:timing>
+</p:sld>
+</file>
+
+<file path=ppt/slides/slide9.xml><?xml version="1.0" encoding="utf-8"?>
+<p:sld xmlns:a="http://schemas.openxmlformats.org/drawingml/2006/main" xmlns:r="http://schemas.openxmlformats.org/officeDocument/2006/relationships" xmlns:p="http://schemas.openxmlformats.org/presentationml/2006/main">
+  <p:cSld>
+    <p:spTree>
+      <p:nvGrpSpPr>
+        <p:cNvPr id="1" name=""/>
+        <p:cNvGrpSpPr/>
+        <p:nvPr/>
+      </p:nvGrpSpPr>
+      <p:grpSpPr>
+        <a:xfrm>
+          <a:off x="0" y="0"/>
+          <a:ext cx="0" cy="0"/>
+          <a:chOff x="0" y="0"/>
+          <a:chExt cx="0" cy="0"/>
+        </a:xfrm>
+      </p:grpSpPr>
+      <p:sp>
+        <p:nvSpPr>
+          <p:cNvPr id="2" name="Title 1"/>
+          <p:cNvSpPr>
+            <a:spLocks noGrp="1"/>
+          </p:cNvSpPr>
+          <p:nvPr>
+            <p:ph type="title"/>
+          </p:nvPr>
+        </p:nvSpPr>
+        <p:spPr/>
+        <p:txBody>
+          <a:bodyPr/>
+          <a:lstStyle/>
+          <a:p>
+            <a:r>
+              <a:rPr lang="en-IN" dirty="0" smtClean="0"/>
               <a:t>Strings as Array</a:t>
             </a:r>
             <a:endParaRPr lang="en-IN" dirty="0"/>
@@ -5305,7 +7075,7 @@
             <p:ph idx="1"/>
             <p:extLst>
               <p:ext uri="{D42A27DB-BD31-4B8C-83A1-F6EECF244321}">
-                <p14:modId xmlns:p14="http://schemas.microsoft.com/office/powerpoint/2010/main" val="3223448311"/>
+                <p14:modId xmlns:p14="http://schemas.microsoft.com/office/powerpoint/2010/main" val="2114873880"/>
               </p:ext>
             </p:extLst>
           </p:nvPr>
@@ -5517,6 +7287,10 @@
                     <a:bodyPr/>
                     <a:lstStyle/>
                     <a:p>
+                      <a:r>
+                        <a:rPr lang="en-IN" dirty="0" smtClean="0"/>
+                        <a:t>1008</a:t>
+                      </a:r>
                       <a:endParaRPr lang="en-IN" dirty="0"/>
                     </a:p>
                   </a:txBody>
@@ -5527,6 +7301,10 @@
                     <a:bodyPr/>
                     <a:lstStyle/>
                     <a:p>
+                      <a:r>
+                        <a:rPr lang="en-IN" dirty="0" smtClean="0"/>
+                        <a:t>……………</a:t>
+                      </a:r>
                       <a:endParaRPr lang="en-IN" dirty="0"/>
                     </a:p>
                   </a:txBody>
@@ -5602,155 +7380,6 @@
     <p:extLst>
       <p:ext uri="{BB962C8B-B14F-4D97-AF65-F5344CB8AC3E}">
         <p14:creationId xmlns:p14="http://schemas.microsoft.com/office/powerpoint/2010/main" val="3776077379"/>
-      </p:ext>
-    </p:extLst>
-  </p:cSld>
-  <p:clrMapOvr>
-    <a:masterClrMapping/>
-  </p:clrMapOvr>
-</p:sld>
-</file>
-
-<file path=ppt/slides/slide7.xml><?xml version="1.0" encoding="utf-8"?>
-<p:sld xmlns:a="http://schemas.openxmlformats.org/drawingml/2006/main" xmlns:r="http://schemas.openxmlformats.org/officeDocument/2006/relationships" xmlns:p="http://schemas.openxmlformats.org/presentationml/2006/main">
-  <p:cSld>
-    <p:spTree>
-      <p:nvGrpSpPr>
-        <p:cNvPr id="1" name=""/>
-        <p:cNvGrpSpPr/>
-        <p:nvPr/>
-      </p:nvGrpSpPr>
-      <p:grpSpPr>
-        <a:xfrm>
-          <a:off x="0" y="0"/>
-          <a:ext cx="0" cy="0"/>
-          <a:chOff x="0" y="0"/>
-          <a:chExt cx="0" cy="0"/>
-        </a:xfrm>
-      </p:grpSpPr>
-      <p:sp>
-        <p:nvSpPr>
-          <p:cNvPr id="2" name="Title 1"/>
-          <p:cNvSpPr>
-            <a:spLocks noGrp="1"/>
-          </p:cNvSpPr>
-          <p:nvPr>
-            <p:ph type="title"/>
-          </p:nvPr>
-        </p:nvSpPr>
-        <p:spPr/>
-        <p:txBody>
-          <a:bodyPr/>
-          <a:lstStyle/>
-          <a:p>
-            <a:r>
-              <a:rPr lang="en-IN" dirty="0" smtClean="0"/>
-              <a:t>Matrix</a:t>
-            </a:r>
-            <a:endParaRPr lang="en-IN" dirty="0"/>
-          </a:p>
-        </p:txBody>
-      </p:sp>
-      <p:sp>
-        <p:nvSpPr>
-          <p:cNvPr id="3" name="Content Placeholder 2"/>
-          <p:cNvSpPr>
-            <a:spLocks noGrp="1"/>
-          </p:cNvSpPr>
-          <p:nvPr>
-            <p:ph idx="1"/>
-          </p:nvPr>
-        </p:nvSpPr>
-        <p:spPr/>
-        <p:txBody>
-          <a:bodyPr/>
-          <a:lstStyle/>
-          <a:p>
-            <a:r>
-              <a:rPr lang="en-IN" dirty="0" smtClean="0"/>
-              <a:t>Row Major Storage</a:t>
-            </a:r>
-            <a:endParaRPr lang="en-IN" dirty="0"/>
-          </a:p>
-        </p:txBody>
-      </p:sp>
-    </p:spTree>
-    <p:extLst>
-      <p:ext uri="{BB962C8B-B14F-4D97-AF65-F5344CB8AC3E}">
-        <p14:creationId xmlns:p14="http://schemas.microsoft.com/office/powerpoint/2010/main" val="4171406415"/>
-      </p:ext>
-    </p:extLst>
-  </p:cSld>
-  <p:clrMapOvr>
-    <a:masterClrMapping/>
-  </p:clrMapOvr>
-</p:sld>
-</file>
-
-<file path=ppt/slides/slide8.xml><?xml version="1.0" encoding="utf-8"?>
-<p:sld xmlns:a="http://schemas.openxmlformats.org/drawingml/2006/main" xmlns:r="http://schemas.openxmlformats.org/officeDocument/2006/relationships" xmlns:p="http://schemas.openxmlformats.org/presentationml/2006/main">
-  <p:cSld>
-    <p:spTree>
-      <p:nvGrpSpPr>
-        <p:cNvPr id="1" name=""/>
-        <p:cNvGrpSpPr/>
-        <p:nvPr/>
-      </p:nvGrpSpPr>
-      <p:grpSpPr>
-        <a:xfrm>
-          <a:off x="0" y="0"/>
-          <a:ext cx="0" cy="0"/>
-          <a:chOff x="0" y="0"/>
-          <a:chExt cx="0" cy="0"/>
-        </a:xfrm>
-      </p:grpSpPr>
-      <p:sp>
-        <p:nvSpPr>
-          <p:cNvPr id="4" name="Title 3"/>
-          <p:cNvSpPr>
-            <a:spLocks noGrp="1"/>
-          </p:cNvSpPr>
-          <p:nvPr>
-            <p:ph type="title"/>
-          </p:nvPr>
-        </p:nvSpPr>
-        <p:spPr/>
-        <p:txBody>
-          <a:bodyPr/>
-          <a:lstStyle/>
-          <a:p>
-            <a:pPr algn="ctr"/>
-            <a:r>
-              <a:rPr lang="en-IN" dirty="0" smtClean="0"/>
-              <a:t>Thank You</a:t>
-            </a:r>
-            <a:endParaRPr lang="en-IN" dirty="0"/>
-          </a:p>
-        </p:txBody>
-      </p:sp>
-      <p:sp>
-        <p:nvSpPr>
-          <p:cNvPr id="5" name="Text Placeholder 4"/>
-          <p:cNvSpPr>
-            <a:spLocks noGrp="1"/>
-          </p:cNvSpPr>
-          <p:nvPr>
-            <p:ph type="body" idx="1"/>
-          </p:nvPr>
-        </p:nvSpPr>
-        <p:spPr/>
-        <p:txBody>
-          <a:bodyPr/>
-          <a:lstStyle/>
-          <a:p>
-            <a:endParaRPr lang="en-IN" dirty="0"/>
-          </a:p>
-        </p:txBody>
-      </p:sp>
-    </p:spTree>
-    <p:extLst>
-      <p:ext uri="{BB962C8B-B14F-4D97-AF65-F5344CB8AC3E}">
-        <p14:creationId xmlns:p14="http://schemas.microsoft.com/office/powerpoint/2010/main" val="49793655"/>
       </p:ext>
     </p:extLst>
   </p:cSld>

--- a/Session2-Array&Strings.pptx
+++ b/Session2-Array&Strings.pptx
@@ -664,6 +664,113 @@
 </file>
 
 <file path=ppt/notesSlides/notesSlide3.xml><?xml version="1.0" encoding="utf-8"?>
+<p:notes xmlns:a="http://schemas.openxmlformats.org/drawingml/2006/main" xmlns:r="http://schemas.openxmlformats.org/officeDocument/2006/relationships" xmlns:p="http://schemas.openxmlformats.org/presentationml/2006/main">
+  <p:cSld>
+    <p:spTree>
+      <p:nvGrpSpPr>
+        <p:cNvPr id="1" name=""/>
+        <p:cNvGrpSpPr/>
+        <p:nvPr/>
+      </p:nvGrpSpPr>
+      <p:grpSpPr>
+        <a:xfrm>
+          <a:off x="0" y="0"/>
+          <a:ext cx="0" cy="0"/>
+          <a:chOff x="0" y="0"/>
+          <a:chExt cx="0" cy="0"/>
+        </a:xfrm>
+      </p:grpSpPr>
+      <p:sp>
+        <p:nvSpPr>
+          <p:cNvPr id="2" name="Slide Image Placeholder 1"/>
+          <p:cNvSpPr>
+            <a:spLocks noGrp="1" noRot="1" noChangeAspect="1"/>
+          </p:cNvSpPr>
+          <p:nvPr>
+            <p:ph type="sldImg"/>
+          </p:nvPr>
+        </p:nvSpPr>
+        <p:spPr/>
+      </p:sp>
+      <p:sp>
+        <p:nvSpPr>
+          <p:cNvPr id="3" name="Notes Placeholder 2"/>
+          <p:cNvSpPr>
+            <a:spLocks noGrp="1"/>
+          </p:cNvSpPr>
+          <p:nvPr>
+            <p:ph type="body" idx="1"/>
+          </p:nvPr>
+        </p:nvSpPr>
+        <p:spPr/>
+        <p:txBody>
+          <a:bodyPr/>
+          <a:lstStyle/>
+          <a:p>
+            <a:pPr marL="0" marR="0" lvl="0" indent="0" algn="l" defTabSz="914400" rtl="0" eaLnBrk="1" fontAlgn="auto" latinLnBrk="0" hangingPunct="1">
+              <a:lnSpc>
+                <a:spcPct val="100000"/>
+              </a:lnSpc>
+              <a:spcBef>
+                <a:spcPts val="0"/>
+              </a:spcBef>
+              <a:spcAft>
+                <a:spcPts val="0"/>
+              </a:spcAft>
+              <a:buClrTx/>
+              <a:buSzTx/>
+              <a:buFontTx/>
+              <a:buNone/>
+              <a:tabLst/>
+              <a:defRPr/>
+            </a:pPr>
+            <a:r>
+              <a:rPr lang="en-IN" dirty="0" smtClean="0"/>
+              <a:t>Grouped Collection of statements that serves a purpose</a:t>
+            </a:r>
+          </a:p>
+          <a:p>
+            <a:endParaRPr lang="en-IN" dirty="0"/>
+          </a:p>
+        </p:txBody>
+      </p:sp>
+      <p:sp>
+        <p:nvSpPr>
+          <p:cNvPr id="4" name="Slide Number Placeholder 3"/>
+          <p:cNvSpPr>
+            <a:spLocks noGrp="1"/>
+          </p:cNvSpPr>
+          <p:nvPr>
+            <p:ph type="sldNum" sz="quarter" idx="10"/>
+          </p:nvPr>
+        </p:nvSpPr>
+        <p:spPr/>
+        <p:txBody>
+          <a:bodyPr/>
+          <a:lstStyle/>
+          <a:p>
+            <a:fld id="{A7DE893D-CE04-4AD8-B599-89F5B9665D5A}" type="slidenum">
+              <a:rPr lang="en-IN" smtClean="0"/>
+              <a:t>11</a:t>
+            </a:fld>
+            <a:endParaRPr lang="en-IN"/>
+          </a:p>
+        </p:txBody>
+      </p:sp>
+    </p:spTree>
+    <p:extLst>
+      <p:ext uri="{BB962C8B-B14F-4D97-AF65-F5344CB8AC3E}">
+        <p14:creationId xmlns:p14="http://schemas.microsoft.com/office/powerpoint/2010/main" val="2013663088"/>
+      </p:ext>
+    </p:extLst>
+  </p:cSld>
+  <p:clrMapOvr>
+    <a:masterClrMapping/>
+  </p:clrMapOvr>
+</p:notes>
+</file>
+
+<file path=ppt/notesSlides/notesSlide4.xml><?xml version="1.0" encoding="utf-8"?>
 <p:notes xmlns:a="http://schemas.openxmlformats.org/drawingml/2006/main" xmlns:r="http://schemas.openxmlformats.org/officeDocument/2006/relationships" xmlns:p="http://schemas.openxmlformats.org/presentationml/2006/main">
   <p:cSld>
     <p:spTree>
@@ -4665,13 +4772,89 @@
           <a:p>
             <a:r>
               <a:rPr lang="en-IN" dirty="0" smtClean="0"/>
-              <a:t>Purpose: Reduce </a:t>
+              <a:t>Purpose: Reduce the duplication of Code</a:t>
+            </a:r>
+          </a:p>
+          <a:p>
+            <a:r>
+              <a:rPr lang="en-IN" dirty="0" smtClean="0"/>
+              <a:t>DRY – Don’t Repeat Yourself</a:t>
+            </a:r>
+          </a:p>
+          <a:p>
+            <a:endParaRPr lang="en-IN" dirty="0" smtClean="0"/>
+          </a:p>
+          <a:p>
+            <a:r>
+              <a:rPr lang="en-IN" dirty="0" smtClean="0"/>
+              <a:t>Function Declaration</a:t>
+            </a:r>
+            <a:endParaRPr lang="en-IN" dirty="0"/>
+          </a:p>
+          <a:p>
+            <a:r>
+              <a:rPr lang="en-IN" i="1" u="sng" dirty="0" err="1"/>
+              <a:t>def</a:t>
+            </a:r>
+            <a:r>
+              <a:rPr lang="en-IN" dirty="0"/>
+              <a:t> </a:t>
+            </a:r>
+            <a:r>
+              <a:rPr lang="en-IN" dirty="0" err="1" smtClean="0">
+                <a:solidFill>
+                  <a:srgbClr val="FF0000"/>
+                </a:solidFill>
+              </a:rPr>
+              <a:t>function_name</a:t>
+            </a:r>
+            <a:r>
+              <a:rPr lang="en-IN" dirty="0" smtClean="0"/>
+              <a:t> (input parameters)</a:t>
+            </a:r>
+          </a:p>
+          <a:p>
+            <a:r>
+              <a:rPr lang="en-IN" dirty="0"/>
+              <a:t> </a:t>
+            </a:r>
+            <a:r>
+              <a:rPr lang="en-IN" dirty="0" smtClean="0"/>
+              <a:t>             # Do </a:t>
             </a:r>
             <a:r>
               <a:rPr lang="en-IN" smtClean="0"/>
-              <a:t>the duplication of Code</a:t>
-            </a:r>
-            <a:endParaRPr lang="en-IN"/>
+              <a:t>Some Computations</a:t>
+            </a:r>
+            <a:endParaRPr lang="en-IN" dirty="0" smtClean="0"/>
+          </a:p>
+          <a:p>
+            <a:r>
+              <a:rPr lang="en-IN" dirty="0"/>
+              <a:t> </a:t>
+            </a:r>
+            <a:r>
+              <a:rPr lang="en-IN" dirty="0" smtClean="0"/>
+              <a:t>             </a:t>
+            </a:r>
+            <a:r>
+              <a:rPr lang="en-IN" i="1" dirty="0" smtClean="0"/>
+              <a:t>return</a:t>
+            </a:r>
+            <a:r>
+              <a:rPr lang="en-IN" dirty="0" smtClean="0"/>
+              <a:t> result</a:t>
+            </a:r>
+          </a:p>
+          <a:p>
+            <a:r>
+              <a:rPr lang="en-IN" i="1" u="sng" dirty="0" smtClean="0"/>
+              <a:t>end</a:t>
+            </a:r>
+            <a:endParaRPr lang="en-IN" dirty="0"/>
+          </a:p>
+          <a:p>
+            <a:endParaRPr lang="en-IN" dirty="0"/>
           </a:p>
         </p:txBody>
       </p:sp>

--- a/Session2-Array&Strings.pptx
+++ b/Session2-Array&Strings.pptx
@@ -5,7 +5,7 @@
     <p:sldMasterId id="2147483725" r:id="rId1"/>
   </p:sldMasterIdLst>
   <p:notesMasterIdLst>
-    <p:notesMasterId r:id="rId14"/>
+    <p:notesMasterId r:id="rId13"/>
   </p:notesMasterIdLst>
   <p:sldIdLst>
     <p:sldId id="256" r:id="rId2"/>
@@ -17,9 +17,8 @@
     <p:sldId id="277" r:id="rId8"/>
     <p:sldId id="283" r:id="rId9"/>
     <p:sldId id="278" r:id="rId10"/>
-    <p:sldId id="279" r:id="rId11"/>
-    <p:sldId id="284" r:id="rId12"/>
-    <p:sldId id="274" r:id="rId13"/>
+    <p:sldId id="284" r:id="rId11"/>
+    <p:sldId id="274" r:id="rId12"/>
   </p:sldIdLst>
   <p:sldSz cx="12192000" cy="6858000"/>
   <p:notesSz cx="6858000" cy="9144000"/>
@@ -219,7 +218,7 @@
           <a:p>
             <a:fld id="{64AB1FA9-0455-4201-A5D6-B599DF29E8AE}" type="datetimeFigureOut">
               <a:rPr lang="en-IN" smtClean="0"/>
-              <a:t>03-04-2018</a:t>
+              <a:t>04-04-2018</a:t>
             </a:fld>
             <a:endParaRPr lang="en-IN"/>
           </a:p>
@@ -531,6 +530,86 @@
           <a:bodyPr/>
           <a:lstStyle/>
           <a:p>
+            <a:r>
+              <a:rPr lang="en-IN" dirty="0" smtClean="0"/>
+              <a:t>2 Mechanisms to store data on computer – Memory(RAM) &amp; Storage(HDD, Flash, SSD) </a:t>
+            </a:r>
+          </a:p>
+          <a:p>
+            <a:r>
+              <a:rPr lang="en-IN" dirty="0" smtClean="0"/>
+              <a:t>Main Difference – Data is permanent of Storage and volatile on RAM</a:t>
+            </a:r>
+          </a:p>
+          <a:p>
+            <a:pPr lvl="1"/>
+            <a:r>
+              <a:rPr lang="en-IN" dirty="0" smtClean="0"/>
+              <a:t>Some times if we don’t save we will loose the working data from RAM</a:t>
+            </a:r>
+          </a:p>
+          <a:p>
+            <a:pPr lvl="1"/>
+            <a:r>
+              <a:rPr lang="en-IN" dirty="0" smtClean="0"/>
+              <a:t>RAM is like a rough sheet (for temporary storage of computational results).</a:t>
+            </a:r>
+          </a:p>
+          <a:p>
+            <a:pPr lvl="1"/>
+            <a:r>
+              <a:rPr lang="en-IN" dirty="0" smtClean="0"/>
+              <a:t>Task Manager memory monitor</a:t>
+            </a:r>
+          </a:p>
+          <a:p>
+            <a:r>
+              <a:rPr lang="en-IN" dirty="0" smtClean="0"/>
+              <a:t>Why 2 why not entirely on Storage?</a:t>
+            </a:r>
+          </a:p>
+          <a:p>
+            <a:pPr lvl="1"/>
+            <a:r>
+              <a:rPr lang="en-IN" dirty="0" smtClean="0"/>
+              <a:t>Storage is Huge but very Slow &amp; cheaper where as RAM is fast but small &amp; Costlier</a:t>
+            </a:r>
+          </a:p>
+          <a:p>
+            <a:pPr lvl="1"/>
+            <a:r>
+              <a:rPr lang="en-IN" dirty="0" smtClean="0"/>
+              <a:t>Storage is like basement and RAM is like desk.</a:t>
+            </a:r>
+          </a:p>
+          <a:p>
+            <a:r>
+              <a:rPr lang="en-IN" dirty="0" smtClean="0"/>
+              <a:t>Combined work</a:t>
+            </a:r>
+          </a:p>
+          <a:p>
+            <a:pPr lvl="1"/>
+            <a:r>
+              <a:rPr lang="en-IN" dirty="0" smtClean="0"/>
+              <a:t>Apps are stored in Storage </a:t>
+            </a:r>
+          </a:p>
+          <a:p>
+            <a:pPr lvl="1"/>
+            <a:r>
+              <a:rPr lang="en-IN" dirty="0" smtClean="0"/>
+              <a:t>Loaded to Memory when usage</a:t>
+            </a:r>
+          </a:p>
+          <a:p>
+            <a:pPr lvl="1"/>
+            <a:r>
+              <a:rPr lang="en-IN" dirty="0" smtClean="0"/>
+              <a:t>Will run out of space when we try to open them all</a:t>
+            </a:r>
+          </a:p>
+          <a:p>
             <a:endParaRPr lang="en-IN" dirty="0"/>
           </a:p>
         </p:txBody>
@@ -751,7 +830,7 @@
           <a:p>
             <a:fld id="{A7DE893D-CE04-4AD8-B599-89F5B9665D5A}" type="slidenum">
               <a:rPr lang="en-IN" smtClean="0"/>
-              <a:t>11</a:t>
+              <a:t>10</a:t>
             </a:fld>
             <a:endParaRPr lang="en-IN"/>
           </a:p>
@@ -835,7 +914,7 @@
           <a:p>
             <a:fld id="{A7DE893D-CE04-4AD8-B599-89F5B9665D5A}" type="slidenum">
               <a:rPr lang="en-IN" smtClean="0"/>
-              <a:t>12</a:t>
+              <a:t>11</a:t>
             </a:fld>
             <a:endParaRPr lang="en-IN"/>
           </a:p>
@@ -1080,7 +1159,7 @@
           <a:p>
             <a:fld id="{F270F6ED-6093-46EB-B1EA-0006F862B9FC}" type="datetimeFigureOut">
               <a:rPr lang="en-IN" smtClean="0"/>
-              <a:t>03-04-2018</a:t>
+              <a:t>04-04-2018</a:t>
             </a:fld>
             <a:endParaRPr lang="en-IN"/>
           </a:p>
@@ -1288,7 +1367,7 @@
           <a:p>
             <a:fld id="{F270F6ED-6093-46EB-B1EA-0006F862B9FC}" type="datetimeFigureOut">
               <a:rPr lang="en-IN" smtClean="0"/>
-              <a:t>03-04-2018</a:t>
+              <a:t>04-04-2018</a:t>
             </a:fld>
             <a:endParaRPr lang="en-IN"/>
           </a:p>
@@ -1544,7 +1623,7 @@
           <a:p>
             <a:fld id="{F270F6ED-6093-46EB-B1EA-0006F862B9FC}" type="datetimeFigureOut">
               <a:rPr lang="en-IN" smtClean="0"/>
-              <a:t>03-04-2018</a:t>
+              <a:t>04-04-2018</a:t>
             </a:fld>
             <a:endParaRPr lang="en-IN"/>
           </a:p>
@@ -1718,7 +1797,7 @@
           <a:p>
             <a:fld id="{F270F6ED-6093-46EB-B1EA-0006F862B9FC}" type="datetimeFigureOut">
               <a:rPr lang="en-IN" smtClean="0"/>
-              <a:t>03-04-2018</a:t>
+              <a:t>04-04-2018</a:t>
             </a:fld>
             <a:endParaRPr lang="en-IN"/>
           </a:p>
@@ -2061,7 +2140,7 @@
           <a:p>
             <a:fld id="{F270F6ED-6093-46EB-B1EA-0006F862B9FC}" type="datetimeFigureOut">
               <a:rPr lang="en-IN" smtClean="0"/>
-              <a:t>03-04-2018</a:t>
+              <a:t>04-04-2018</a:t>
             </a:fld>
             <a:endParaRPr lang="en-IN"/>
           </a:p>
@@ -2336,7 +2415,7 @@
           <a:p>
             <a:fld id="{F270F6ED-6093-46EB-B1EA-0006F862B9FC}" type="datetimeFigureOut">
               <a:rPr lang="en-IN" smtClean="0"/>
-              <a:t>03-04-2018</a:t>
+              <a:t>04-04-2018</a:t>
             </a:fld>
             <a:endParaRPr lang="en-IN"/>
           </a:p>
@@ -2715,7 +2794,7 @@
           <a:p>
             <a:fld id="{F270F6ED-6093-46EB-B1EA-0006F862B9FC}" type="datetimeFigureOut">
               <a:rPr lang="en-IN" smtClean="0"/>
-              <a:t>03-04-2018</a:t>
+              <a:t>04-04-2018</a:t>
             </a:fld>
             <a:endParaRPr lang="en-IN"/>
           </a:p>
@@ -2833,7 +2912,7 @@
           <a:p>
             <a:fld id="{F270F6ED-6093-46EB-B1EA-0006F862B9FC}" type="datetimeFigureOut">
               <a:rPr lang="en-IN" smtClean="0"/>
-              <a:t>03-04-2018</a:t>
+              <a:t>04-04-2018</a:t>
             </a:fld>
             <a:endParaRPr lang="en-IN"/>
           </a:p>
@@ -3004,7 +3083,7 @@
           <a:p>
             <a:fld id="{F270F6ED-6093-46EB-B1EA-0006F862B9FC}" type="datetimeFigureOut">
               <a:rPr lang="en-IN" smtClean="0"/>
-              <a:t>03-04-2018</a:t>
+              <a:t>04-04-2018</a:t>
             </a:fld>
             <a:endParaRPr lang="en-IN"/>
           </a:p>
@@ -3358,7 +3437,7 @@
           <a:p>
             <a:fld id="{F270F6ED-6093-46EB-B1EA-0006F862B9FC}" type="datetimeFigureOut">
               <a:rPr lang="en-IN" smtClean="0"/>
-              <a:t>03-04-2018</a:t>
+              <a:t>04-04-2018</a:t>
             </a:fld>
             <a:endParaRPr lang="en-IN"/>
           </a:p>
@@ -3740,7 +3819,7 @@
           <a:p>
             <a:fld id="{F270F6ED-6093-46EB-B1EA-0006F862B9FC}" type="datetimeFigureOut">
               <a:rPr lang="en-IN" smtClean="0"/>
-              <a:t>03-04-2018</a:t>
+              <a:t>04-04-2018</a:t>
             </a:fld>
             <a:endParaRPr lang="en-IN"/>
           </a:p>
@@ -4027,7 +4106,7 @@
           <a:p>
             <a:fld id="{F270F6ED-6093-46EB-B1EA-0006F862B9FC}" type="datetimeFigureOut">
               <a:rPr lang="en-IN" smtClean="0"/>
-              <a:t>03-04-2018</a:t>
+              <a:t>04-04-2018</a:t>
             </a:fld>
             <a:endParaRPr lang="en-IN"/>
           </a:p>
@@ -4606,7 +4685,7 @@
             </a:r>
             <a:r>
               <a:rPr lang="en-IN" sz="2000" dirty="0" smtClean="0"/>
-              <a:t>Arrays and flow control</a:t>
+              <a:t>Arrays and flow control Statements</a:t>
             </a:r>
             <a:endParaRPr lang="en-IN" sz="2000" dirty="0"/>
           </a:p>
@@ -4666,89 +4745,6 @@
           <a:p>
             <a:r>
               <a:rPr lang="en-IN" dirty="0" smtClean="0"/>
-              <a:t>Matrix</a:t>
-            </a:r>
-            <a:endParaRPr lang="en-IN" dirty="0"/>
-          </a:p>
-        </p:txBody>
-      </p:sp>
-      <p:sp>
-        <p:nvSpPr>
-          <p:cNvPr id="3" name="Content Placeholder 2"/>
-          <p:cNvSpPr>
-            <a:spLocks noGrp="1"/>
-          </p:cNvSpPr>
-          <p:nvPr>
-            <p:ph idx="1"/>
-          </p:nvPr>
-        </p:nvSpPr>
-        <p:spPr/>
-        <p:txBody>
-          <a:bodyPr/>
-          <a:lstStyle/>
-          <a:p>
-            <a:r>
-              <a:rPr lang="en-IN" dirty="0" smtClean="0"/>
-              <a:t>Row Major Storage</a:t>
-            </a:r>
-            <a:endParaRPr lang="en-IN" dirty="0"/>
-          </a:p>
-        </p:txBody>
-      </p:sp>
-    </p:spTree>
-    <p:extLst>
-      <p:ext uri="{BB962C8B-B14F-4D97-AF65-F5344CB8AC3E}">
-        <p14:creationId xmlns:p14="http://schemas.microsoft.com/office/powerpoint/2010/main" val="4171406415"/>
-      </p:ext>
-    </p:extLst>
-  </p:cSld>
-  <p:clrMapOvr>
-    <a:masterClrMapping/>
-  </p:clrMapOvr>
-  <p:timing>
-    <p:tnLst>
-      <p:par>
-        <p:cTn id="1" dur="indefinite" restart="never" nodeType="tmRoot"/>
-      </p:par>
-    </p:tnLst>
-  </p:timing>
-</p:sld>
-</file>
-
-<file path=ppt/slides/slide11.xml><?xml version="1.0" encoding="utf-8"?>
-<p:sld xmlns:a="http://schemas.openxmlformats.org/drawingml/2006/main" xmlns:r="http://schemas.openxmlformats.org/officeDocument/2006/relationships" xmlns:p="http://schemas.openxmlformats.org/presentationml/2006/main">
-  <p:cSld>
-    <p:spTree>
-      <p:nvGrpSpPr>
-        <p:cNvPr id="1" name=""/>
-        <p:cNvGrpSpPr/>
-        <p:nvPr/>
-      </p:nvGrpSpPr>
-      <p:grpSpPr>
-        <a:xfrm>
-          <a:off x="0" y="0"/>
-          <a:ext cx="0" cy="0"/>
-          <a:chOff x="0" y="0"/>
-          <a:chExt cx="0" cy="0"/>
-        </a:xfrm>
-      </p:grpSpPr>
-      <p:sp>
-        <p:nvSpPr>
-          <p:cNvPr id="2" name="Title 1"/>
-          <p:cNvSpPr>
-            <a:spLocks noGrp="1"/>
-          </p:cNvSpPr>
-          <p:nvPr>
-            <p:ph type="title"/>
-          </p:nvPr>
-        </p:nvSpPr>
-        <p:spPr/>
-        <p:txBody>
-          <a:bodyPr/>
-          <a:lstStyle/>
-          <a:p>
-            <a:r>
-              <a:rPr lang="en-IN" dirty="0" smtClean="0"/>
               <a:t>Methods or Functions</a:t>
             </a:r>
             <a:endParaRPr lang="en-IN" dirty="0"/>
@@ -4787,7 +4783,11 @@
           <a:p>
             <a:r>
               <a:rPr lang="en-IN" dirty="0" smtClean="0"/>
-              <a:t>Function Declaration</a:t>
+              <a:t>Function </a:t>
+            </a:r>
+            <a:r>
+              <a:rPr lang="en-IN" dirty="0" smtClean="0"/>
+              <a:t>Definition</a:t>
             </a:r>
             <a:endParaRPr lang="en-IN" dirty="0"/>
           </a:p>
@@ -4820,13 +4820,8 @@
             </a:r>
             <a:r>
               <a:rPr lang="en-IN" dirty="0" smtClean="0"/>
-              <a:t>             # Do </a:t>
-            </a:r>
-            <a:r>
-              <a:rPr lang="en-IN" smtClean="0"/>
-              <a:t>Some Computations</a:t>
-            </a:r>
-            <a:endParaRPr lang="en-IN" dirty="0" smtClean="0"/>
+              <a:t>             # Do Some Computations</a:t>
+            </a:r>
           </a:p>
           <a:p>
             <a:r>
@@ -4871,7 +4866,7 @@
 </p:sld>
 </file>
 
-<file path=ppt/slides/slide12.xml><?xml version="1.0" encoding="utf-8"?>
+<file path=ppt/slides/slide11.xml><?xml version="1.0" encoding="utf-8"?>
 <p:sld xmlns:a="http://schemas.openxmlformats.org/drawingml/2006/main" xmlns:r="http://schemas.openxmlformats.org/officeDocument/2006/relationships" xmlns:p="http://schemas.openxmlformats.org/presentationml/2006/main">
   <p:cSld>
     <p:spTree>
@@ -5012,7 +5007,35 @@
             </a:pPr>
             <a:r>
               <a:rPr lang="en-US" dirty="0" smtClean="0"/>
-              <a:t>C++ is a Object oriented and Compiled language with weak typing. </a:t>
+              <a:t>C++ is a Object oriented and </a:t>
+            </a:r>
+            <a:r>
+              <a:rPr lang="en-US" b="1" dirty="0" smtClean="0"/>
+              <a:t>Compiled</a:t>
+            </a:r>
+            <a:r>
+              <a:rPr lang="en-US" dirty="0" smtClean="0"/>
+              <a:t> language with </a:t>
+            </a:r>
+            <a:r>
+              <a:rPr lang="en-US" b="1" dirty="0" smtClean="0"/>
+              <a:t>Static</a:t>
+            </a:r>
+            <a:r>
+              <a:rPr lang="en-US" dirty="0" smtClean="0"/>
+              <a:t> and </a:t>
+            </a:r>
+            <a:r>
+              <a:rPr lang="en-US" b="1" dirty="0"/>
+              <a:t>W</a:t>
+            </a:r>
+            <a:r>
+              <a:rPr lang="en-US" b="1" dirty="0" smtClean="0"/>
+              <a:t>eak</a:t>
+            </a:r>
+            <a:r>
+              <a:rPr lang="en-US" dirty="0" smtClean="0"/>
+              <a:t> typing. </a:t>
             </a:r>
           </a:p>
           <a:p>
@@ -5026,7 +5049,35 @@
             </a:r>
             <a:r>
               <a:rPr lang="en-US" dirty="0" smtClean="0"/>
-              <a:t> is a Functional language with Dynamic and strongly typed. It is JIT Compiled.</a:t>
+              <a:t> is a Functional language with </a:t>
+            </a:r>
+            <a:r>
+              <a:rPr lang="en-US" b="1" dirty="0" smtClean="0"/>
+              <a:t>Dynamic</a:t>
+            </a:r>
+            <a:r>
+              <a:rPr lang="en-US" dirty="0" smtClean="0"/>
+              <a:t> and </a:t>
+            </a:r>
+            <a:r>
+              <a:rPr lang="en-US" b="1" dirty="0"/>
+              <a:t>S</a:t>
+            </a:r>
+            <a:r>
+              <a:rPr lang="en-US" b="1" dirty="0" smtClean="0"/>
+              <a:t>trongly</a:t>
+            </a:r>
+            <a:r>
+              <a:rPr lang="en-US" dirty="0" smtClean="0"/>
+              <a:t> typed. It is </a:t>
+            </a:r>
+            <a:r>
+              <a:rPr lang="en-US" b="1" dirty="0" smtClean="0"/>
+              <a:t>JIT</a:t>
+            </a:r>
+            <a:r>
+              <a:rPr lang="en-US" dirty="0" smtClean="0"/>
+              <a:t> Compiled.</a:t>
             </a:r>
           </a:p>
           <a:p>
@@ -5244,13 +5295,13 @@
         <p:spPr/>
         <p:txBody>
           <a:bodyPr>
-            <a:normAutofit lnSpcReduction="10000"/>
+            <a:normAutofit/>
           </a:bodyPr>
           <a:lstStyle/>
           <a:p>
             <a:r>
               <a:rPr lang="en-IN" dirty="0" smtClean="0"/>
-              <a:t>2 Mechanisms to store data on computer – Memory(RAM) &amp; Storage(HDD, Flash, SSD) </a:t>
+              <a:t>Memory(RAM) &amp; Storage(HDD, Flash, SSD) </a:t>
             </a:r>
           </a:p>
           <a:p>
@@ -5260,27 +5311,6 @@
             </a:r>
           </a:p>
           <a:p>
-            <a:pPr lvl="1"/>
-            <a:r>
-              <a:rPr lang="en-IN" dirty="0" smtClean="0"/>
-              <a:t>Some times if we don’t save we will loose the working data from RAM</a:t>
-            </a:r>
-          </a:p>
-          <a:p>
-            <a:pPr lvl="1"/>
-            <a:r>
-              <a:rPr lang="en-IN" dirty="0" smtClean="0"/>
-              <a:t>RAM is like a rough sheet (for temporary storage of computational results).</a:t>
-            </a:r>
-          </a:p>
-          <a:p>
-            <a:pPr lvl="1"/>
-            <a:r>
-              <a:rPr lang="en-IN" dirty="0" smtClean="0"/>
-              <a:t>Task Manager memory monitor</a:t>
-            </a:r>
-          </a:p>
-          <a:p>
             <a:r>
               <a:rPr lang="en-IN" dirty="0" smtClean="0"/>
               <a:t>Why 2 why not entirely on Storage?</a:t>
@@ -5290,14 +5320,14 @@
             <a:pPr lvl="1"/>
             <a:r>
               <a:rPr lang="en-IN" dirty="0" smtClean="0"/>
-              <a:t>Storage is Huge but very Slow &amp; cheaper where as RAM is fast but small &amp; Costlier</a:t>
+              <a:t>Storage is Huge but very Slow &amp; cheaper</a:t>
             </a:r>
           </a:p>
           <a:p>
             <a:pPr lvl="1"/>
             <a:r>
               <a:rPr lang="en-IN" dirty="0" smtClean="0"/>
-              <a:t>Storage is like basement and RAM is like desk.</a:t>
+              <a:t>RAM is fast but small &amp; Costlier</a:t>
             </a:r>
           </a:p>
           <a:p>
@@ -5355,8 +5385,8 @@
         </p:blipFill>
         <p:spPr bwMode="auto">
           <a:xfrm>
-            <a:off x="9331473" y="2418943"/>
-            <a:ext cx="2640788" cy="2640789"/>
+            <a:off x="7573923" y="2636322"/>
+            <a:ext cx="3066367" cy="2818632"/>
           </a:xfrm>
           <a:prstGeom prst="rect">
             <a:avLst/>
